--- a/Memoria y presentación/Presentacion tecnica.pptx
+++ b/Memoria y presentación/Presentacion tecnica.pptx
@@ -6,7 +6,7 @@
     <p:sldMasterId id="2147483684" r:id="rId2"/>
   </p:sldMasterIdLst>
   <p:notesMasterIdLst>
-    <p:notesMasterId r:id="rId33"/>
+    <p:notesMasterId r:id="rId32"/>
   </p:notesMasterIdLst>
   <p:sldIdLst>
     <p:sldId id="256" r:id="rId3"/>
@@ -37,8 +37,7 @@
     <p:sldId id="287" r:id="rId28"/>
     <p:sldId id="272" r:id="rId29"/>
     <p:sldId id="285" r:id="rId30"/>
-    <p:sldId id="273" r:id="rId31"/>
-    <p:sldId id="286" r:id="rId32"/>
+    <p:sldId id="286" r:id="rId31"/>
   </p:sldIdLst>
   <p:sldSz cx="9144000" cy="6858000" type="screen4x3"/>
   <p:notesSz cx="6858000" cy="9144000"/>
@@ -222,7 +221,8 @@
           <a:p>
             <a:fld id="{C615CB5E-04AE-40DB-9468-506355A22C6D}" type="datetimeFigureOut">
               <a:rPr lang="es-ES" smtClean="0"/>
-              <a:t>26/05/2018</a:t>
+              <a:pPr/>
+              <a:t>28/05/2018</a:t>
             </a:fld>
             <a:endParaRPr lang="es-ES"/>
           </a:p>
@@ -383,6 +383,7 @@
           <a:p>
             <a:fld id="{842719A2-F218-4663-9611-12B73C48DDCF}" type="slidenum">
               <a:rPr lang="es-ES" smtClean="0"/>
+              <a:pPr/>
               <a:t>‹Nº›</a:t>
             </a:fld>
             <a:endParaRPr lang="es-ES"/>
@@ -558,6 +559,7 @@
           <a:p>
             <a:fld id="{842719A2-F218-4663-9611-12B73C48DDCF}" type="slidenum">
               <a:rPr lang="es-ES" smtClean="0"/>
+              <a:pPr/>
               <a:t>7</a:t>
             </a:fld>
             <a:endParaRPr lang="es-ES"/>
@@ -643,92 +645,8 @@
           <a:p>
             <a:fld id="{842719A2-F218-4663-9611-12B73C48DDCF}" type="slidenum">
               <a:rPr lang="es-ES" smtClean="0"/>
+              <a:pPr/>
               <a:t>22</a:t>
-            </a:fld>
-            <a:endParaRPr lang="es-ES"/>
-          </a:p>
-        </p:txBody>
-      </p:sp>
-    </p:spTree>
-  </p:cSld>
-  <p:clrMapOvr>
-    <a:masterClrMapping/>
-  </p:clrMapOvr>
-</p:notes>
-</file>
-
-<file path=ppt/notesSlides/notesSlide11.xml><?xml version="1.0" encoding="utf-8"?>
-<p:notes xmlns:a="http://schemas.openxmlformats.org/drawingml/2006/main" xmlns:r="http://schemas.openxmlformats.org/officeDocument/2006/relationships" xmlns:p="http://schemas.openxmlformats.org/presentationml/2006/main">
-  <p:cSld>
-    <p:spTree>
-      <p:nvGrpSpPr>
-        <p:cNvPr id="1" name=""/>
-        <p:cNvGrpSpPr/>
-        <p:nvPr/>
-      </p:nvGrpSpPr>
-      <p:grpSpPr>
-        <a:xfrm>
-          <a:off x="0" y="0"/>
-          <a:ext cx="0" cy="0"/>
-          <a:chOff x="0" y="0"/>
-          <a:chExt cx="0" cy="0"/>
-        </a:xfrm>
-      </p:grpSpPr>
-      <p:sp>
-        <p:nvSpPr>
-          <p:cNvPr id="2" name="1 Marcador de imagen de diapositiva"/>
-          <p:cNvSpPr>
-            <a:spLocks noGrp="1" noRot="1" noChangeAspect="1"/>
-          </p:cNvSpPr>
-          <p:nvPr>
-            <p:ph type="sldImg"/>
-          </p:nvPr>
-        </p:nvSpPr>
-        <p:spPr/>
-      </p:sp>
-      <p:sp>
-        <p:nvSpPr>
-          <p:cNvPr id="3" name="2 Marcador de notas"/>
-          <p:cNvSpPr>
-            <a:spLocks noGrp="1"/>
-          </p:cNvSpPr>
-          <p:nvPr>
-            <p:ph type="body" idx="1"/>
-          </p:nvPr>
-        </p:nvSpPr>
-        <p:spPr/>
-        <p:txBody>
-          <a:bodyPr>
-            <a:normAutofit/>
-          </a:bodyPr>
-          <a:lstStyle/>
-          <a:p>
-            <a:r>
-              <a:rPr lang="es-ES" dirty="0" smtClean="0"/>
-              <a:t>¿ELIMINAR?¿METER VIDEO DEMOSTRACIÓN?</a:t>
-            </a:r>
-            <a:endParaRPr lang="es-ES" dirty="0"/>
-          </a:p>
-        </p:txBody>
-      </p:sp>
-      <p:sp>
-        <p:nvSpPr>
-          <p:cNvPr id="4" name="3 Marcador de número de diapositiva"/>
-          <p:cNvSpPr>
-            <a:spLocks noGrp="1"/>
-          </p:cNvSpPr>
-          <p:nvPr>
-            <p:ph type="sldNum" sz="quarter" idx="10"/>
-          </p:nvPr>
-        </p:nvSpPr>
-        <p:spPr/>
-        <p:txBody>
-          <a:bodyPr/>
-          <a:lstStyle/>
-          <a:p>
-            <a:fld id="{842719A2-F218-4663-9611-12B73C48DDCF}" type="slidenum">
-              <a:rPr lang="es-ES" smtClean="0"/>
-              <a:t>29</a:t>
             </a:fld>
             <a:endParaRPr lang="es-ES"/>
           </a:p>
@@ -844,6 +762,7 @@
           <a:p>
             <a:fld id="{842719A2-F218-4663-9611-12B73C48DDCF}" type="slidenum">
               <a:rPr lang="es-ES" smtClean="0"/>
+              <a:pPr/>
               <a:t>8</a:t>
             </a:fld>
             <a:endParaRPr lang="es-ES"/>
@@ -945,6 +864,7 @@
           <a:p>
             <a:fld id="{842719A2-F218-4663-9611-12B73C48DDCF}" type="slidenum">
               <a:rPr lang="es-ES" smtClean="0"/>
+              <a:pPr/>
               <a:t>9</a:t>
             </a:fld>
             <a:endParaRPr lang="es-ES"/>
@@ -1050,6 +970,7 @@
           <a:p>
             <a:fld id="{842719A2-F218-4663-9611-12B73C48DDCF}" type="slidenum">
               <a:rPr lang="es-ES" smtClean="0"/>
+              <a:pPr/>
               <a:t>10</a:t>
             </a:fld>
             <a:endParaRPr lang="es-ES"/>
@@ -1145,6 +1066,7 @@
           <a:p>
             <a:fld id="{842719A2-F218-4663-9611-12B73C48DDCF}" type="slidenum">
               <a:rPr lang="es-ES" smtClean="0"/>
+              <a:pPr/>
               <a:t>14</a:t>
             </a:fld>
             <a:endParaRPr lang="es-ES"/>
@@ -1281,6 +1203,7 @@
           <a:p>
             <a:fld id="{842719A2-F218-4663-9611-12B73C48DDCF}" type="slidenum">
               <a:rPr lang="es-ES" smtClean="0"/>
+              <a:pPr/>
               <a:t>16</a:t>
             </a:fld>
             <a:endParaRPr lang="es-ES"/>
@@ -1362,6 +1285,7 @@
           <a:p>
             <a:fld id="{842719A2-F218-4663-9611-12B73C48DDCF}" type="slidenum">
               <a:rPr lang="es-ES" smtClean="0"/>
+              <a:pPr/>
               <a:t>18</a:t>
             </a:fld>
             <a:endParaRPr lang="es-ES"/>
@@ -1457,6 +1381,7 @@
           <a:p>
             <a:fld id="{842719A2-F218-4663-9611-12B73C48DDCF}" type="slidenum">
               <a:rPr lang="es-ES" smtClean="0"/>
+              <a:pPr/>
               <a:t>19</a:t>
             </a:fld>
             <a:endParaRPr lang="es-ES"/>
@@ -1564,6 +1489,7 @@
           <a:p>
             <a:fld id="{842719A2-F218-4663-9611-12B73C48DDCF}" type="slidenum">
               <a:rPr lang="es-ES" smtClean="0"/>
+              <a:pPr/>
               <a:t>20</a:t>
             </a:fld>
             <a:endParaRPr lang="es-ES"/>
@@ -1858,7 +1784,8 @@
           <a:p>
             <a:fld id="{48F95D3F-8003-40D8-A2D7-871040E99901}" type="datetimeFigureOut">
               <a:rPr lang="es-ES" smtClean="0"/>
-              <a:t>26/05/2018</a:t>
+              <a:pPr/>
+              <a:t>28/05/2018</a:t>
             </a:fld>
             <a:endParaRPr lang="es-ES"/>
           </a:p>
@@ -2087,6 +2014,7 @@
           <a:p>
             <a:fld id="{EFEAB3FC-2C3A-47D4-AB59-71A3C48B299D}" type="slidenum">
               <a:rPr lang="es-ES" smtClean="0"/>
+              <a:pPr/>
               <a:t>‹Nº›</a:t>
             </a:fld>
             <a:endParaRPr lang="es-ES"/>
@@ -2254,7 +2182,8 @@
           <a:p>
             <a:fld id="{48F95D3F-8003-40D8-A2D7-871040E99901}" type="datetimeFigureOut">
               <a:rPr lang="es-ES" smtClean="0"/>
-              <a:t>26/05/2018</a:t>
+              <a:pPr/>
+              <a:t>28/05/2018</a:t>
             </a:fld>
             <a:endParaRPr lang="es-ES"/>
           </a:p>
@@ -2296,6 +2225,7 @@
           <a:p>
             <a:fld id="{EFEAB3FC-2C3A-47D4-AB59-71A3C48B299D}" type="slidenum">
               <a:rPr lang="es-ES" smtClean="0"/>
+              <a:pPr/>
               <a:t>‹Nº›</a:t>
             </a:fld>
             <a:endParaRPr lang="es-ES"/>
@@ -2709,6 +2639,7 @@
           <a:p>
             <a:fld id="{EFEAB3FC-2C3A-47D4-AB59-71A3C48B299D}" type="slidenum">
               <a:rPr lang="es-ES" smtClean="0"/>
+              <a:pPr/>
               <a:t>‹Nº›</a:t>
             </a:fld>
             <a:endParaRPr lang="es-ES"/>
@@ -2789,7 +2720,8 @@
           <a:p>
             <a:fld id="{48F95D3F-8003-40D8-A2D7-871040E99901}" type="datetimeFigureOut">
               <a:rPr lang="es-ES" smtClean="0"/>
-              <a:t>26/05/2018</a:t>
+              <a:pPr/>
+              <a:t>28/05/2018</a:t>
             </a:fld>
             <a:endParaRPr lang="es-ES"/>
           </a:p>
@@ -3034,7 +2966,8 @@
           <a:p>
             <a:fld id="{20C8EEA1-E236-4992-8098-8177E913C197}" type="datetimeFigureOut">
               <a:rPr lang="es-ES" smtClean="0"/>
-              <a:t>26/05/2018</a:t>
+              <a:pPr/>
+              <a:t>28/05/2018</a:t>
             </a:fld>
             <a:endParaRPr lang="es-ES"/>
           </a:p>
@@ -3076,6 +3009,7 @@
           <a:p>
             <a:fld id="{53B8AAF7-8CDA-4E7E-99A9-5E6D69A8E220}" type="slidenum">
               <a:rPr lang="es-ES" smtClean="0"/>
+              <a:pPr/>
               <a:t>‹Nº›</a:t>
             </a:fld>
             <a:endParaRPr lang="es-ES"/>
@@ -3199,7 +3133,8 @@
           <a:p>
             <a:fld id="{20C8EEA1-E236-4992-8098-8177E913C197}" type="datetimeFigureOut">
               <a:rPr lang="es-ES" smtClean="0"/>
-              <a:t>26/05/2018</a:t>
+              <a:pPr/>
+              <a:t>28/05/2018</a:t>
             </a:fld>
             <a:endParaRPr lang="es-ES"/>
           </a:p>
@@ -3241,6 +3176,7 @@
           <a:p>
             <a:fld id="{53B8AAF7-8CDA-4E7E-99A9-5E6D69A8E220}" type="slidenum">
               <a:rPr lang="es-ES" smtClean="0"/>
+              <a:pPr/>
               <a:t>‹Nº›</a:t>
             </a:fld>
             <a:endParaRPr lang="es-ES"/>
@@ -3440,7 +3376,8 @@
           <a:p>
             <a:fld id="{20C8EEA1-E236-4992-8098-8177E913C197}" type="datetimeFigureOut">
               <a:rPr lang="es-ES" smtClean="0"/>
-              <a:t>26/05/2018</a:t>
+              <a:pPr/>
+              <a:t>28/05/2018</a:t>
             </a:fld>
             <a:endParaRPr lang="es-ES"/>
           </a:p>
@@ -3482,6 +3419,7 @@
           <a:p>
             <a:fld id="{53B8AAF7-8CDA-4E7E-99A9-5E6D69A8E220}" type="slidenum">
               <a:rPr lang="es-ES" smtClean="0"/>
+              <a:pPr/>
               <a:t>‹Nº›</a:t>
             </a:fld>
             <a:endParaRPr lang="es-ES"/>
@@ -3723,7 +3661,8 @@
           <a:p>
             <a:fld id="{20C8EEA1-E236-4992-8098-8177E913C197}" type="datetimeFigureOut">
               <a:rPr lang="es-ES" smtClean="0"/>
-              <a:t>26/05/2018</a:t>
+              <a:pPr/>
+              <a:t>28/05/2018</a:t>
             </a:fld>
             <a:endParaRPr lang="es-ES"/>
           </a:p>
@@ -3765,6 +3704,7 @@
           <a:p>
             <a:fld id="{53B8AAF7-8CDA-4E7E-99A9-5E6D69A8E220}" type="slidenum">
               <a:rPr lang="es-ES" smtClean="0"/>
+              <a:pPr/>
               <a:t>‹Nº›</a:t>
             </a:fld>
             <a:endParaRPr lang="es-ES"/>
@@ -4140,7 +4080,8 @@
           <a:p>
             <a:fld id="{20C8EEA1-E236-4992-8098-8177E913C197}" type="datetimeFigureOut">
               <a:rPr lang="es-ES" smtClean="0"/>
-              <a:t>26/05/2018</a:t>
+              <a:pPr/>
+              <a:t>28/05/2018</a:t>
             </a:fld>
             <a:endParaRPr lang="es-ES"/>
           </a:p>
@@ -4182,6 +4123,7 @@
           <a:p>
             <a:fld id="{53B8AAF7-8CDA-4E7E-99A9-5E6D69A8E220}" type="slidenum">
               <a:rPr lang="es-ES" smtClean="0"/>
+              <a:pPr/>
               <a:t>‹Nº›</a:t>
             </a:fld>
             <a:endParaRPr lang="es-ES"/>
@@ -4253,7 +4195,8 @@
           <a:p>
             <a:fld id="{20C8EEA1-E236-4992-8098-8177E913C197}" type="datetimeFigureOut">
               <a:rPr lang="es-ES" smtClean="0"/>
-              <a:t>26/05/2018</a:t>
+              <a:pPr/>
+              <a:t>28/05/2018</a:t>
             </a:fld>
             <a:endParaRPr lang="es-ES"/>
           </a:p>
@@ -4295,6 +4238,7 @@
           <a:p>
             <a:fld id="{53B8AAF7-8CDA-4E7E-99A9-5E6D69A8E220}" type="slidenum">
               <a:rPr lang="es-ES" smtClean="0"/>
+              <a:pPr/>
               <a:t>‹Nº›</a:t>
             </a:fld>
             <a:endParaRPr lang="es-ES"/>
@@ -4343,7 +4287,8 @@
           <a:p>
             <a:fld id="{20C8EEA1-E236-4992-8098-8177E913C197}" type="datetimeFigureOut">
               <a:rPr lang="es-ES" smtClean="0"/>
-              <a:t>26/05/2018</a:t>
+              <a:pPr/>
+              <a:t>28/05/2018</a:t>
             </a:fld>
             <a:endParaRPr lang="es-ES"/>
           </a:p>
@@ -4385,6 +4330,7 @@
           <a:p>
             <a:fld id="{53B8AAF7-8CDA-4E7E-99A9-5E6D69A8E220}" type="slidenum">
               <a:rPr lang="es-ES" smtClean="0"/>
+              <a:pPr/>
               <a:t>‹Nº›</a:t>
             </a:fld>
             <a:endParaRPr lang="es-ES"/>
@@ -4615,7 +4561,8 @@
           <a:p>
             <a:fld id="{20C8EEA1-E236-4992-8098-8177E913C197}" type="datetimeFigureOut">
               <a:rPr lang="es-ES" smtClean="0"/>
-              <a:t>26/05/2018</a:t>
+              <a:pPr/>
+              <a:t>28/05/2018</a:t>
             </a:fld>
             <a:endParaRPr lang="es-ES"/>
           </a:p>
@@ -4657,6 +4604,7 @@
           <a:p>
             <a:fld id="{53B8AAF7-8CDA-4E7E-99A9-5E6D69A8E220}" type="slidenum">
               <a:rPr lang="es-ES" smtClean="0"/>
+              <a:pPr/>
               <a:t>‹Nº›</a:t>
             </a:fld>
             <a:endParaRPr lang="es-ES"/>
@@ -4743,7 +4691,8 @@
           <a:p>
             <a:fld id="{48F95D3F-8003-40D8-A2D7-871040E99901}" type="datetimeFigureOut">
               <a:rPr lang="es-ES" smtClean="0"/>
-              <a:t>26/05/2018</a:t>
+              <a:pPr/>
+              <a:t>28/05/2018</a:t>
             </a:fld>
             <a:endParaRPr lang="es-ES"/>
           </a:p>
@@ -4790,6 +4739,7 @@
           <a:p>
             <a:fld id="{EFEAB3FC-2C3A-47D4-AB59-71A3C48B299D}" type="slidenum">
               <a:rPr lang="es-ES" smtClean="0"/>
+              <a:pPr/>
               <a:t>‹Nº›</a:t>
             </a:fld>
             <a:endParaRPr lang="es-ES"/>
@@ -5063,7 +5013,8 @@
           <a:p>
             <a:fld id="{20C8EEA1-E236-4992-8098-8177E913C197}" type="datetimeFigureOut">
               <a:rPr lang="es-ES" smtClean="0"/>
-              <a:t>26/05/2018</a:t>
+              <a:pPr/>
+              <a:t>28/05/2018</a:t>
             </a:fld>
             <a:endParaRPr lang="es-ES"/>
           </a:p>
@@ -5105,6 +5056,7 @@
           <a:p>
             <a:fld id="{53B8AAF7-8CDA-4E7E-99A9-5E6D69A8E220}" type="slidenum">
               <a:rPr lang="es-ES" smtClean="0"/>
+              <a:pPr/>
               <a:t>‹Nº›</a:t>
             </a:fld>
             <a:endParaRPr lang="es-ES"/>
@@ -5228,7 +5180,8 @@
           <a:p>
             <a:fld id="{20C8EEA1-E236-4992-8098-8177E913C197}" type="datetimeFigureOut">
               <a:rPr lang="es-ES" smtClean="0"/>
-              <a:t>26/05/2018</a:t>
+              <a:pPr/>
+              <a:t>28/05/2018</a:t>
             </a:fld>
             <a:endParaRPr lang="es-ES"/>
           </a:p>
@@ -5270,6 +5223,7 @@
           <a:p>
             <a:fld id="{53B8AAF7-8CDA-4E7E-99A9-5E6D69A8E220}" type="slidenum">
               <a:rPr lang="es-ES" smtClean="0"/>
+              <a:pPr/>
               <a:t>‹Nº›</a:t>
             </a:fld>
             <a:endParaRPr lang="es-ES"/>
@@ -5403,7 +5357,8 @@
           <a:p>
             <a:fld id="{20C8EEA1-E236-4992-8098-8177E913C197}" type="datetimeFigureOut">
               <a:rPr lang="es-ES" smtClean="0"/>
-              <a:t>26/05/2018</a:t>
+              <a:pPr/>
+              <a:t>28/05/2018</a:t>
             </a:fld>
             <a:endParaRPr lang="es-ES"/>
           </a:p>
@@ -5445,6 +5400,7 @@
           <a:p>
             <a:fld id="{53B8AAF7-8CDA-4E7E-99A9-5E6D69A8E220}" type="slidenum">
               <a:rPr lang="es-ES" smtClean="0"/>
+              <a:pPr/>
               <a:t>‹Nº›</a:t>
             </a:fld>
             <a:endParaRPr lang="es-ES"/>
@@ -5884,7 +5840,8 @@
           <a:p>
             <a:fld id="{48F95D3F-8003-40D8-A2D7-871040E99901}" type="datetimeFigureOut">
               <a:rPr lang="es-ES" smtClean="0"/>
-              <a:t>26/05/2018</a:t>
+              <a:pPr/>
+              <a:t>28/05/2018</a:t>
             </a:fld>
             <a:endParaRPr lang="es-ES"/>
           </a:p>
@@ -6056,6 +6013,7 @@
           <a:p>
             <a:fld id="{EFEAB3FC-2C3A-47D4-AB59-71A3C48B299D}" type="slidenum">
               <a:rPr lang="es-ES" smtClean="0"/>
+              <a:pPr/>
               <a:t>‹Nº›</a:t>
             </a:fld>
             <a:endParaRPr lang="es-ES"/>
@@ -6182,7 +6140,8 @@
           <a:p>
             <a:fld id="{48F95D3F-8003-40D8-A2D7-871040E99901}" type="datetimeFigureOut">
               <a:rPr lang="es-ES" smtClean="0"/>
-              <a:t>26/05/2018</a:t>
+              <a:pPr/>
+              <a:t>28/05/2018</a:t>
             </a:fld>
             <a:endParaRPr lang="es-ES"/>
           </a:p>
@@ -6224,6 +6183,7 @@
           <a:p>
             <a:fld id="{EFEAB3FC-2C3A-47D4-AB59-71A3C48B299D}" type="slidenum">
               <a:rPr lang="es-ES" smtClean="0"/>
+              <a:pPr/>
               <a:t>‹Nº›</a:t>
             </a:fld>
             <a:endParaRPr lang="es-ES"/>
@@ -6844,7 +6804,8 @@
           <a:p>
             <a:fld id="{48F95D3F-8003-40D8-A2D7-871040E99901}" type="datetimeFigureOut">
               <a:rPr lang="es-ES" smtClean="0"/>
-              <a:t>26/05/2018</a:t>
+              <a:pPr/>
+              <a:t>28/05/2018</a:t>
             </a:fld>
             <a:endParaRPr lang="es-ES"/>
           </a:p>
@@ -7186,6 +7147,7 @@
           <a:p>
             <a:fld id="{EFEAB3FC-2C3A-47D4-AB59-71A3C48B299D}" type="slidenum">
               <a:rPr lang="es-ES" smtClean="0"/>
+              <a:pPr/>
               <a:t>‹Nº›</a:t>
             </a:fld>
             <a:endParaRPr lang="es-ES"/>
@@ -7283,7 +7245,8 @@
           <a:p>
             <a:fld id="{48F95D3F-8003-40D8-A2D7-871040E99901}" type="datetimeFigureOut">
               <a:rPr lang="es-ES" smtClean="0"/>
-              <a:t>26/05/2018</a:t>
+              <a:pPr/>
+              <a:t>28/05/2018</a:t>
             </a:fld>
             <a:endParaRPr lang="es-ES"/>
           </a:p>
@@ -7330,6 +7293,7 @@
           <a:p>
             <a:fld id="{EFEAB3FC-2C3A-47D4-AB59-71A3C48B299D}" type="slidenum">
               <a:rPr lang="es-ES" smtClean="0"/>
+              <a:pPr/>
               <a:t>‹Nº›</a:t>
             </a:fld>
             <a:endParaRPr lang="es-ES"/>
@@ -7599,7 +7563,8 @@
           <a:p>
             <a:fld id="{48F95D3F-8003-40D8-A2D7-871040E99901}" type="datetimeFigureOut">
               <a:rPr lang="es-ES" smtClean="0"/>
-              <a:t>26/05/2018</a:t>
+              <a:pPr/>
+              <a:t>28/05/2018</a:t>
             </a:fld>
             <a:endParaRPr lang="es-ES"/>
           </a:p>
@@ -7654,6 +7619,7 @@
           <a:p>
             <a:fld id="{EFEAB3FC-2C3A-47D4-AB59-71A3C48B299D}" type="slidenum">
               <a:rPr lang="es-ES" smtClean="0"/>
+              <a:pPr/>
               <a:t>‹Nº›</a:t>
             </a:fld>
             <a:endParaRPr lang="es-ES"/>
@@ -8275,6 +8241,7 @@
           <a:p>
             <a:fld id="{EFEAB3FC-2C3A-47D4-AB59-71A3C48B299D}" type="slidenum">
               <a:rPr lang="es-ES" smtClean="0"/>
+              <a:pPr/>
               <a:t>‹Nº›</a:t>
             </a:fld>
             <a:endParaRPr lang="es-ES"/>
@@ -8334,7 +8301,8 @@
           <a:p>
             <a:fld id="{48F95D3F-8003-40D8-A2D7-871040E99901}" type="datetimeFigureOut">
               <a:rPr lang="es-ES" smtClean="0"/>
-              <a:t>26/05/2018</a:t>
+              <a:pPr/>
+              <a:t>28/05/2018</a:t>
             </a:fld>
             <a:endParaRPr lang="es-ES"/>
           </a:p>
@@ -8812,6 +8780,7 @@
           <a:p>
             <a:fld id="{EFEAB3FC-2C3A-47D4-AB59-71A3C48B299D}" type="slidenum">
               <a:rPr lang="es-ES" smtClean="0"/>
+              <a:pPr/>
               <a:t>‹Nº›</a:t>
             </a:fld>
             <a:endParaRPr lang="es-ES"/>
@@ -9001,7 +8970,8 @@
           <a:p>
             <a:fld id="{48F95D3F-8003-40D8-A2D7-871040E99901}" type="datetimeFigureOut">
               <a:rPr lang="es-ES" smtClean="0"/>
-              <a:t>26/05/2018</a:t>
+              <a:pPr/>
+              <a:t>28/05/2018</a:t>
             </a:fld>
             <a:endParaRPr lang="es-ES"/>
           </a:p>
@@ -9277,7 +9247,8 @@
           <a:p>
             <a:fld id="{48F95D3F-8003-40D8-A2D7-871040E99901}" type="datetimeFigureOut">
               <a:rPr lang="es-ES" smtClean="0"/>
-              <a:t>26/05/2018</a:t>
+              <a:pPr/>
+              <a:t>28/05/2018</a:t>
             </a:fld>
             <a:endParaRPr lang="es-ES"/>
           </a:p>
@@ -9527,6 +9498,7 @@
           <a:p>
             <a:fld id="{EFEAB3FC-2C3A-47D4-AB59-71A3C48B299D}" type="slidenum">
               <a:rPr lang="es-ES" smtClean="0"/>
+              <a:pPr/>
               <a:t>‹Nº›</a:t>
             </a:fld>
             <a:endParaRPr lang="es-ES"/>
@@ -10088,7 +10060,8 @@
           <a:p>
             <a:fld id="{20C8EEA1-E236-4992-8098-8177E913C197}" type="datetimeFigureOut">
               <a:rPr lang="es-ES" smtClean="0"/>
-              <a:t>26/05/2018</a:t>
+              <a:pPr/>
+              <a:t>28/05/2018</a:t>
             </a:fld>
             <a:endParaRPr lang="es-ES"/>
           </a:p>
@@ -10166,6 +10139,7 @@
           <a:p>
             <a:fld id="{53B8AAF7-8CDA-4E7E-99A9-5E6D69A8E220}" type="slidenum">
               <a:rPr lang="es-ES" smtClean="0"/>
+              <a:pPr/>
               <a:t>‹Nº›</a:t>
             </a:fld>
             <a:endParaRPr lang="es-ES"/>
@@ -10647,11 +10621,7 @@
             </a:pPr>
             <a:r>
               <a:rPr lang="es-ES" dirty="0" smtClean="0"/>
-              <a:t>	</a:t>
-            </a:r>
-            <a:r>
-              <a:rPr lang="es-ES" dirty="0" smtClean="0"/>
-              <a:t>	</a:t>
+              <a:t>		</a:t>
             </a:r>
           </a:p>
           <a:p>
@@ -10680,7 +10650,6 @@
               <a:rPr lang="es-ES" sz="2000" dirty="0" smtClean="0"/>
               <a:t>		Buscar usuarios</a:t>
             </a:r>
-            <a:endParaRPr lang="es-ES" sz="2000" dirty="0" smtClean="0"/>
           </a:p>
           <a:p>
             <a:pPr>
@@ -10719,7 +10688,6 @@
               <a:rPr lang="es-ES" sz="2800" dirty="0" smtClean="0"/>
               <a:t>		</a:t>
             </a:r>
-            <a:endParaRPr lang="es-ES" sz="2800" dirty="0" smtClean="0"/>
           </a:p>
           <a:p>
             <a:pPr>
@@ -10727,19 +10695,11 @@
             </a:pPr>
             <a:r>
               <a:rPr lang="es-ES" sz="2800" dirty="0" smtClean="0"/>
-              <a:t>	</a:t>
-            </a:r>
-            <a:r>
-              <a:rPr lang="es-ES" sz="2800" dirty="0" smtClean="0"/>
-              <a:t>	</a:t>
+              <a:t>		</a:t>
             </a:r>
             <a:r>
               <a:rPr lang="es-ES" sz="2000" dirty="0" smtClean="0"/>
-              <a:t>Diseño </a:t>
-            </a:r>
-            <a:r>
-              <a:rPr lang="es-ES" sz="2000" dirty="0" smtClean="0"/>
-              <a:t>responsable</a:t>
+              <a:t>Diseño responsable</a:t>
             </a:r>
           </a:p>
           <a:p>
@@ -10750,7 +10710,6 @@
               <a:rPr lang="es-ES" sz="2000" dirty="0" smtClean="0"/>
               <a:t>		</a:t>
             </a:r>
-            <a:endParaRPr lang="es-ES" sz="2000" dirty="0" smtClean="0"/>
           </a:p>
           <a:p>
             <a:pPr>
@@ -10758,11 +10717,7 @@
             </a:pPr>
             <a:r>
               <a:rPr lang="es-ES" sz="2000" dirty="0" smtClean="0"/>
-              <a:t>	</a:t>
-            </a:r>
-            <a:r>
-              <a:rPr lang="es-ES" sz="2000" dirty="0" smtClean="0"/>
-              <a:t>	Indicar </a:t>
+              <a:t>		Indicar </a:t>
             </a:r>
             <a:r>
               <a:rPr lang="es-ES" sz="2000" dirty="0" err="1" smtClean="0"/>
@@ -10772,7 +10727,6 @@
               <a:rPr lang="es-ES" sz="2000" dirty="0" smtClean="0"/>
               <a:t> de una pista</a:t>
             </a:r>
-            <a:endParaRPr lang="es-ES" sz="2000" dirty="0" smtClean="0"/>
           </a:p>
           <a:p>
             <a:pPr>
@@ -10782,7 +10736,6 @@
               <a:rPr lang="es-ES" sz="2000" dirty="0" smtClean="0"/>
               <a:t>		</a:t>
             </a:r>
-            <a:endParaRPr lang="es-ES" sz="2000" dirty="0" smtClean="0"/>
           </a:p>
           <a:p>
             <a:pPr>
@@ -10790,15 +10743,7 @@
             </a:pPr>
             <a:r>
               <a:rPr lang="es-ES" sz="2000" dirty="0" smtClean="0"/>
-              <a:t>	</a:t>
-            </a:r>
-            <a:r>
-              <a:rPr lang="es-ES" sz="2000" dirty="0" smtClean="0"/>
-              <a:t>	Indicar </a:t>
-            </a:r>
-            <a:r>
-              <a:rPr lang="es-ES" sz="2000" dirty="0" smtClean="0"/>
-              <a:t>el momento a mezclar una pista</a:t>
+              <a:t>		Indicar el momento a mezclar una pista</a:t>
             </a:r>
           </a:p>
           <a:p>
@@ -11215,11 +11160,7 @@
           <a:p>
             <a:r>
               <a:rPr lang="es-ES" dirty="0" smtClean="0"/>
-              <a:t>Análisis </a:t>
-            </a:r>
-            <a:r>
-              <a:rPr lang="es-ES" dirty="0" smtClean="0"/>
-              <a:t>de requisitos</a:t>
+              <a:t>Análisis de requisitos</a:t>
             </a:r>
           </a:p>
           <a:p>
@@ -11473,11 +11414,7 @@
           <a:p>
             <a:r>
               <a:rPr lang="es-ES" dirty="0" smtClean="0"/>
-              <a:t>1</a:t>
-            </a:r>
-            <a:r>
-              <a:rPr lang="es-ES" dirty="0" smtClean="0"/>
-              <a:t>ª Fase: Propuesta de trabajo</a:t>
+              <a:t>1ª Fase: Propuesta de trabajo</a:t>
             </a:r>
           </a:p>
           <a:p>
@@ -11881,11 +11818,7 @@
           <a:p>
             <a:r>
               <a:rPr lang="es-ES" dirty="0" smtClean="0"/>
-              <a:t>Análisis </a:t>
-            </a:r>
-            <a:r>
-              <a:rPr lang="es-ES" dirty="0" smtClean="0"/>
-              <a:t>de requisitos</a:t>
+              <a:t>Análisis de requisitos</a:t>
             </a:r>
           </a:p>
           <a:p>
@@ -12187,7 +12120,6 @@
               <a:rPr lang="es-ES" dirty="0" smtClean="0"/>
               <a:t>Base de datos</a:t>
             </a:r>
-            <a:endParaRPr lang="es-ES" dirty="0" smtClean="0"/>
           </a:p>
           <a:p>
             <a:pPr lvl="2"/>
@@ -12199,7 +12131,6 @@
               <a:rPr lang="es-ES" dirty="0" smtClean="0"/>
               <a:t>Máquinas virtuales</a:t>
             </a:r>
-            <a:endParaRPr lang="es-ES" dirty="0" smtClean="0"/>
           </a:p>
           <a:p>
             <a:pPr lvl="2"/>
@@ -12543,11 +12474,7 @@
           <a:p>
             <a:r>
               <a:rPr lang="es-ES" dirty="0" smtClean="0"/>
-              <a:t>Análisis </a:t>
-            </a:r>
-            <a:r>
-              <a:rPr lang="es-ES" dirty="0" smtClean="0"/>
-              <a:t>de requisitos</a:t>
+              <a:t>Análisis de requisitos</a:t>
             </a:r>
           </a:p>
           <a:p>
@@ -13146,11 +13073,7 @@
           <a:p>
             <a:r>
               <a:rPr lang="es-ES" dirty="0" smtClean="0"/>
-              <a:t>Análisis </a:t>
-            </a:r>
-            <a:r>
-              <a:rPr lang="es-ES" dirty="0" smtClean="0"/>
-              <a:t>de requisitos</a:t>
+              <a:t>Análisis de requisitos</a:t>
             </a:r>
           </a:p>
           <a:p>
@@ -15765,11 +15688,7 @@
           <a:p>
             <a:r>
               <a:rPr lang="es-ES" dirty="0" smtClean="0"/>
-              <a:t>Análisis </a:t>
-            </a:r>
-            <a:r>
-              <a:rPr lang="es-ES" dirty="0" smtClean="0"/>
-              <a:t>de requisitos</a:t>
+              <a:t>Análisis de requisitos</a:t>
             </a:r>
           </a:p>
           <a:p>
@@ -16290,11 +16209,7 @@
           <a:p>
             <a:r>
               <a:rPr lang="es-ES" dirty="0" smtClean="0"/>
-              <a:t>Análisis </a:t>
-            </a:r>
-            <a:r>
-              <a:rPr lang="es-ES" dirty="0" smtClean="0"/>
-              <a:t>de requisitos</a:t>
+              <a:t>Análisis de requisitos</a:t>
             </a:r>
           </a:p>
           <a:p>
@@ -19238,11 +19153,7 @@
           <a:p>
             <a:r>
               <a:rPr lang="es-ES" dirty="0" smtClean="0"/>
-              <a:t>Análisis </a:t>
-            </a:r>
-            <a:r>
-              <a:rPr lang="es-ES" dirty="0" smtClean="0"/>
-              <a:t>de requisitos</a:t>
+              <a:t>Análisis de requisitos</a:t>
             </a:r>
           </a:p>
           <a:p>
@@ -19458,642 +19369,6 @@
       </p:grpSpPr>
       <p:sp>
         <p:nvSpPr>
-          <p:cNvPr id="2" name="1 Título"/>
-          <p:cNvSpPr>
-            <a:spLocks noGrp="1"/>
-          </p:cNvSpPr>
-          <p:nvPr>
-            <p:ph type="title"/>
-          </p:nvPr>
-        </p:nvSpPr>
-        <p:spPr/>
-        <p:txBody>
-          <a:bodyPr/>
-          <a:lstStyle/>
-          <a:p>
-            <a:r>
-              <a:rPr lang="es-ES" dirty="0" smtClean="0"/>
-              <a:t>PRESUPUESTO</a:t>
-            </a:r>
-            <a:endParaRPr lang="es-ES" dirty="0"/>
-          </a:p>
-        </p:txBody>
-      </p:sp>
-      <p:sp>
-        <p:nvSpPr>
-          <p:cNvPr id="3" name="2 Marcador de contenido"/>
-          <p:cNvSpPr>
-            <a:spLocks noGrp="1"/>
-          </p:cNvSpPr>
-          <p:nvPr>
-            <p:ph sz="quarter" idx="1"/>
-          </p:nvPr>
-        </p:nvSpPr>
-        <p:spPr/>
-        <p:txBody>
-          <a:bodyPr/>
-          <a:lstStyle/>
-          <a:p>
-            <a:r>
-              <a:rPr lang="es-ES" dirty="0" smtClean="0"/>
-              <a:t>¿</a:t>
-            </a:r>
-            <a:r>
-              <a:rPr lang="es-ES" dirty="0" smtClean="0"/>
-              <a:t>C</a:t>
-            </a:r>
-            <a:r>
-              <a:rPr lang="es-ES" dirty="0" smtClean="0"/>
-              <a:t>uánto vale este proyecto?</a:t>
-            </a:r>
-          </a:p>
-          <a:p>
-            <a:endParaRPr lang="es-ES" dirty="0" smtClean="0"/>
-          </a:p>
-          <a:p>
-            <a:r>
-              <a:rPr lang="es-ES" dirty="0" smtClean="0"/>
-              <a:t>24.000 €</a:t>
-            </a:r>
-          </a:p>
-          <a:p>
-            <a:endParaRPr lang="es-ES" dirty="0" smtClean="0"/>
-          </a:p>
-          <a:p>
-            <a:r>
-              <a:rPr lang="es-ES" dirty="0" smtClean="0"/>
-              <a:t>Pago único</a:t>
-            </a:r>
-          </a:p>
-          <a:p>
-            <a:endParaRPr lang="es-ES" dirty="0" smtClean="0"/>
-          </a:p>
-          <a:p>
-            <a:r>
-              <a:rPr lang="es-ES" dirty="0" smtClean="0"/>
-              <a:t>Entrada inicial 4000€ + 3 pagos mensuales</a:t>
-            </a:r>
-            <a:endParaRPr lang="es-ES" dirty="0"/>
-          </a:p>
-        </p:txBody>
-      </p:sp>
-    </p:spTree>
-  </p:cSld>
-  <p:clrMapOvr>
-    <a:masterClrMapping/>
-  </p:clrMapOvr>
-  <p:transition>
-    <p:pull dir="d"/>
-  </p:transition>
-  <p:timing>
-    <p:tnLst>
-      <p:par>
-        <p:cTn id="1" dur="indefinite" restart="never" nodeType="tmRoot">
-          <p:childTnLst>
-            <p:seq concurrent="1" nextAc="seek">
-              <p:cTn id="2" dur="indefinite" nodeType="mainSeq">
-                <p:childTnLst>
-                  <p:par>
-                    <p:cTn id="3" fill="hold">
-                      <p:stCondLst>
-                        <p:cond delay="indefinite"/>
-                      </p:stCondLst>
-                      <p:childTnLst>
-                        <p:par>
-                          <p:cTn id="4" fill="hold">
-                            <p:stCondLst>
-                              <p:cond delay="0"/>
-                            </p:stCondLst>
-                            <p:childTnLst>
-                              <p:par>
-                                <p:cTn id="5" presetID="12" presetClass="entr" presetSubtype="4" fill="hold" nodeType="clickEffect">
-                                  <p:stCondLst>
-                                    <p:cond delay="0"/>
-                                  </p:stCondLst>
-                                  <p:childTnLst>
-                                    <p:set>
-                                      <p:cBhvr>
-                                        <p:cTn id="6" dur="1" fill="hold">
-                                          <p:stCondLst>
-                                            <p:cond delay="0"/>
-                                          </p:stCondLst>
-                                        </p:cTn>
-                                        <p:tgtEl>
-                                          <p:spTgt spid="3">
-                                            <p:txEl>
-                                              <p:pRg st="2" end="2"/>
-                                            </p:txEl>
-                                          </p:spTgt>
-                                        </p:tgtEl>
-                                        <p:attrNameLst>
-                                          <p:attrName>style.visibility</p:attrName>
-                                        </p:attrNameLst>
-                                      </p:cBhvr>
-                                      <p:to>
-                                        <p:strVal val="visible"/>
-                                      </p:to>
-                                    </p:set>
-                                    <p:animEffect transition="in" filter="slide(fromBottom)">
-                                      <p:cBhvr>
-                                        <p:cTn id="7" dur="500"/>
-                                        <p:tgtEl>
-                                          <p:spTgt spid="3">
-                                            <p:txEl>
-                                              <p:pRg st="2" end="2"/>
-                                            </p:txEl>
-                                          </p:spTgt>
-                                        </p:tgtEl>
-                                      </p:cBhvr>
-                                    </p:animEffect>
-                                  </p:childTnLst>
-                                </p:cTn>
-                              </p:par>
-                            </p:childTnLst>
-                          </p:cTn>
-                        </p:par>
-                      </p:childTnLst>
-                    </p:cTn>
-                  </p:par>
-                  <p:par>
-                    <p:cTn id="8" fill="hold">
-                      <p:stCondLst>
-                        <p:cond delay="indefinite"/>
-                      </p:stCondLst>
-                      <p:childTnLst>
-                        <p:par>
-                          <p:cTn id="9" fill="hold">
-                            <p:stCondLst>
-                              <p:cond delay="0"/>
-                            </p:stCondLst>
-                            <p:childTnLst>
-                              <p:par>
-                                <p:cTn id="10" presetID="12" presetClass="entr" presetSubtype="4" fill="hold" nodeType="clickEffect">
-                                  <p:stCondLst>
-                                    <p:cond delay="0"/>
-                                  </p:stCondLst>
-                                  <p:childTnLst>
-                                    <p:set>
-                                      <p:cBhvr>
-                                        <p:cTn id="11" dur="1" fill="hold">
-                                          <p:stCondLst>
-                                            <p:cond delay="0"/>
-                                          </p:stCondLst>
-                                        </p:cTn>
-                                        <p:tgtEl>
-                                          <p:spTgt spid="3">
-                                            <p:txEl>
-                                              <p:pRg st="4" end="4"/>
-                                            </p:txEl>
-                                          </p:spTgt>
-                                        </p:tgtEl>
-                                        <p:attrNameLst>
-                                          <p:attrName>style.visibility</p:attrName>
-                                        </p:attrNameLst>
-                                      </p:cBhvr>
-                                      <p:to>
-                                        <p:strVal val="visible"/>
-                                      </p:to>
-                                    </p:set>
-                                    <p:animEffect transition="in" filter="slide(fromBottom)">
-                                      <p:cBhvr>
-                                        <p:cTn id="12" dur="500"/>
-                                        <p:tgtEl>
-                                          <p:spTgt spid="3">
-                                            <p:txEl>
-                                              <p:pRg st="4" end="4"/>
-                                            </p:txEl>
-                                          </p:spTgt>
-                                        </p:tgtEl>
-                                      </p:cBhvr>
-                                    </p:animEffect>
-                                  </p:childTnLst>
-                                </p:cTn>
-                              </p:par>
-                            </p:childTnLst>
-                          </p:cTn>
-                        </p:par>
-                      </p:childTnLst>
-                    </p:cTn>
-                  </p:par>
-                  <p:par>
-                    <p:cTn id="13" fill="hold">
-                      <p:stCondLst>
-                        <p:cond delay="indefinite"/>
-                      </p:stCondLst>
-                      <p:childTnLst>
-                        <p:par>
-                          <p:cTn id="14" fill="hold">
-                            <p:stCondLst>
-                              <p:cond delay="0"/>
-                            </p:stCondLst>
-                            <p:childTnLst>
-                              <p:par>
-                                <p:cTn id="15" presetID="12" presetClass="entr" presetSubtype="4" fill="hold" nodeType="clickEffect">
-                                  <p:stCondLst>
-                                    <p:cond delay="0"/>
-                                  </p:stCondLst>
-                                  <p:childTnLst>
-                                    <p:set>
-                                      <p:cBhvr>
-                                        <p:cTn id="16" dur="1" fill="hold">
-                                          <p:stCondLst>
-                                            <p:cond delay="0"/>
-                                          </p:stCondLst>
-                                        </p:cTn>
-                                        <p:tgtEl>
-                                          <p:spTgt spid="3">
-                                            <p:txEl>
-                                              <p:pRg st="6" end="6"/>
-                                            </p:txEl>
-                                          </p:spTgt>
-                                        </p:tgtEl>
-                                        <p:attrNameLst>
-                                          <p:attrName>style.visibility</p:attrName>
-                                        </p:attrNameLst>
-                                      </p:cBhvr>
-                                      <p:to>
-                                        <p:strVal val="visible"/>
-                                      </p:to>
-                                    </p:set>
-                                    <p:animEffect transition="in" filter="slide(fromBottom)">
-                                      <p:cBhvr>
-                                        <p:cTn id="17" dur="500"/>
-                                        <p:tgtEl>
-                                          <p:spTgt spid="3">
-                                            <p:txEl>
-                                              <p:pRg st="6" end="6"/>
-                                            </p:txEl>
-                                          </p:spTgt>
-                                        </p:tgtEl>
-                                      </p:cBhvr>
-                                    </p:animEffect>
-                                  </p:childTnLst>
-                                </p:cTn>
-                              </p:par>
-                            </p:childTnLst>
-                          </p:cTn>
-                        </p:par>
-                      </p:childTnLst>
-                    </p:cTn>
-                  </p:par>
-                </p:childTnLst>
-              </p:cTn>
-              <p:prevCondLst>
-                <p:cond evt="onPrev" delay="0">
-                  <p:tgtEl>
-                    <p:sldTgt/>
-                  </p:tgtEl>
-                </p:cond>
-              </p:prevCondLst>
-              <p:nextCondLst>
-                <p:cond evt="onNext" delay="0">
-                  <p:tgtEl>
-                    <p:sldTgt/>
-                  </p:tgtEl>
-                </p:cond>
-              </p:nextCondLst>
-            </p:seq>
-          </p:childTnLst>
-        </p:cTn>
-      </p:par>
-    </p:tnLst>
-  </p:timing>
-</p:sld>
-</file>
-
-<file path=ppt/slides/slide3.xml><?xml version="1.0" encoding="utf-8"?>
-<p:sld xmlns:a="http://schemas.openxmlformats.org/drawingml/2006/main" xmlns:r="http://schemas.openxmlformats.org/officeDocument/2006/relationships" xmlns:p="http://schemas.openxmlformats.org/presentationml/2006/main">
-  <p:cSld>
-    <p:spTree>
-      <p:nvGrpSpPr>
-        <p:cNvPr id="1" name=""/>
-        <p:cNvGrpSpPr/>
-        <p:nvPr/>
-      </p:nvGrpSpPr>
-      <p:grpSpPr>
-        <a:xfrm>
-          <a:off x="0" y="0"/>
-          <a:ext cx="0" cy="0"/>
-          <a:chOff x="0" y="0"/>
-          <a:chExt cx="0" cy="0"/>
-        </a:xfrm>
-      </p:grpSpPr>
-      <p:sp>
-        <p:nvSpPr>
-          <p:cNvPr id="2" name="1 Título"/>
-          <p:cNvSpPr>
-            <a:spLocks noGrp="1"/>
-          </p:cNvSpPr>
-          <p:nvPr>
-            <p:ph type="title"/>
-          </p:nvPr>
-        </p:nvSpPr>
-        <p:spPr/>
-        <p:txBody>
-          <a:bodyPr/>
-          <a:lstStyle/>
-          <a:p>
-            <a:r>
-              <a:rPr lang="es-ES" dirty="0" smtClean="0"/>
-              <a:t>INTRODUCCIÓN</a:t>
-            </a:r>
-            <a:endParaRPr lang="es-ES" dirty="0"/>
-          </a:p>
-        </p:txBody>
-      </p:sp>
-      <p:sp>
-        <p:nvSpPr>
-          <p:cNvPr id="3" name="2 Marcador de contenido"/>
-          <p:cNvSpPr>
-            <a:spLocks noGrp="1"/>
-          </p:cNvSpPr>
-          <p:nvPr>
-            <p:ph sz="quarter" idx="1"/>
-          </p:nvPr>
-        </p:nvSpPr>
-        <p:spPr/>
-        <p:txBody>
-          <a:bodyPr/>
-          <a:lstStyle/>
-          <a:p>
-            <a:r>
-              <a:rPr lang="es-ES" dirty="0" smtClean="0"/>
-              <a:t>En grupos de trabajo, se trabaja más mediante internet que en persona</a:t>
-            </a:r>
-          </a:p>
-          <a:p>
-            <a:endParaRPr lang="es-ES" dirty="0" smtClean="0"/>
-          </a:p>
-          <a:p>
-            <a:r>
-              <a:rPr lang="es-ES" dirty="0" smtClean="0"/>
-              <a:t>Las colaboraciones en proyectos son más numerosas</a:t>
-            </a:r>
-          </a:p>
-          <a:p>
-            <a:endParaRPr lang="es-ES" dirty="0" smtClean="0"/>
-          </a:p>
-          <a:p>
-            <a:r>
-              <a:rPr lang="es-ES" dirty="0" smtClean="0"/>
-              <a:t>Dentro del mundo musical es algo habitual</a:t>
-            </a:r>
-            <a:endParaRPr lang="es-ES" dirty="0" smtClean="0"/>
-          </a:p>
-          <a:p>
-            <a:endParaRPr lang="es-ES" dirty="0" smtClean="0"/>
-          </a:p>
-          <a:p>
-            <a:r>
-              <a:rPr lang="es-ES" dirty="0" smtClean="0"/>
-              <a:t>Este proyecto focaliza su atención en dicho apartado</a:t>
-            </a:r>
-          </a:p>
-        </p:txBody>
-      </p:sp>
-    </p:spTree>
-  </p:cSld>
-  <p:clrMapOvr>
-    <a:masterClrMapping/>
-  </p:clrMapOvr>
-  <p:transition>
-    <p:pull dir="d"/>
-  </p:transition>
-  <p:timing>
-    <p:tnLst>
-      <p:par>
-        <p:cTn id="1" dur="indefinite" restart="never" nodeType="tmRoot">
-          <p:childTnLst>
-            <p:seq concurrent="1" nextAc="seek">
-              <p:cTn id="2" dur="indefinite" nodeType="mainSeq">
-                <p:childTnLst>
-                  <p:par>
-                    <p:cTn id="3" fill="hold">
-                      <p:stCondLst>
-                        <p:cond delay="indefinite"/>
-                      </p:stCondLst>
-                      <p:childTnLst>
-                        <p:par>
-                          <p:cTn id="4" fill="hold">
-                            <p:stCondLst>
-                              <p:cond delay="0"/>
-                            </p:stCondLst>
-                            <p:childTnLst>
-                              <p:par>
-                                <p:cTn id="5" presetID="12" presetClass="entr" presetSubtype="4" fill="hold" nodeType="clickEffect">
-                                  <p:stCondLst>
-                                    <p:cond delay="0"/>
-                                  </p:stCondLst>
-                                  <p:childTnLst>
-                                    <p:set>
-                                      <p:cBhvr>
-                                        <p:cTn id="6" dur="1" fill="hold">
-                                          <p:stCondLst>
-                                            <p:cond delay="0"/>
-                                          </p:stCondLst>
-                                        </p:cTn>
-                                        <p:tgtEl>
-                                          <p:spTgt spid="3">
-                                            <p:txEl>
-                                              <p:pRg st="2" end="2"/>
-                                            </p:txEl>
-                                          </p:spTgt>
-                                        </p:tgtEl>
-                                        <p:attrNameLst>
-                                          <p:attrName>style.visibility</p:attrName>
-                                        </p:attrNameLst>
-                                      </p:cBhvr>
-                                      <p:to>
-                                        <p:strVal val="visible"/>
-                                      </p:to>
-                                    </p:set>
-                                    <p:animEffect transition="in" filter="slide(fromBottom)">
-                                      <p:cBhvr>
-                                        <p:cTn id="7" dur="500"/>
-                                        <p:tgtEl>
-                                          <p:spTgt spid="3">
-                                            <p:txEl>
-                                              <p:pRg st="2" end="2"/>
-                                            </p:txEl>
-                                          </p:spTgt>
-                                        </p:tgtEl>
-                                      </p:cBhvr>
-                                    </p:animEffect>
-                                  </p:childTnLst>
-                                </p:cTn>
-                              </p:par>
-                            </p:childTnLst>
-                          </p:cTn>
-                        </p:par>
-                      </p:childTnLst>
-                    </p:cTn>
-                  </p:par>
-                  <p:par>
-                    <p:cTn id="8" fill="hold">
-                      <p:stCondLst>
-                        <p:cond delay="indefinite"/>
-                      </p:stCondLst>
-                      <p:childTnLst>
-                        <p:par>
-                          <p:cTn id="9" fill="hold">
-                            <p:stCondLst>
-                              <p:cond delay="0"/>
-                            </p:stCondLst>
-                            <p:childTnLst>
-                              <p:par>
-                                <p:cTn id="10" presetID="12" presetClass="entr" presetSubtype="4" fill="hold" nodeType="clickEffect">
-                                  <p:stCondLst>
-                                    <p:cond delay="0"/>
-                                  </p:stCondLst>
-                                  <p:childTnLst>
-                                    <p:set>
-                                      <p:cBhvr>
-                                        <p:cTn id="11" dur="1" fill="hold">
-                                          <p:stCondLst>
-                                            <p:cond delay="0"/>
-                                          </p:stCondLst>
-                                        </p:cTn>
-                                        <p:tgtEl>
-                                          <p:spTgt spid="3">
-                                            <p:txEl>
-                                              <p:pRg st="4" end="4"/>
-                                            </p:txEl>
-                                          </p:spTgt>
-                                        </p:tgtEl>
-                                        <p:attrNameLst>
-                                          <p:attrName>style.visibility</p:attrName>
-                                        </p:attrNameLst>
-                                      </p:cBhvr>
-                                      <p:to>
-                                        <p:strVal val="visible"/>
-                                      </p:to>
-                                    </p:set>
-                                    <p:animEffect transition="in" filter="slide(fromBottom)">
-                                      <p:cBhvr>
-                                        <p:cTn id="12" dur="500"/>
-                                        <p:tgtEl>
-                                          <p:spTgt spid="3">
-                                            <p:txEl>
-                                              <p:pRg st="4" end="4"/>
-                                            </p:txEl>
-                                          </p:spTgt>
-                                        </p:tgtEl>
-                                      </p:cBhvr>
-                                    </p:animEffect>
-                                  </p:childTnLst>
-                                </p:cTn>
-                              </p:par>
-                            </p:childTnLst>
-                          </p:cTn>
-                        </p:par>
-                      </p:childTnLst>
-                    </p:cTn>
-                  </p:par>
-                  <p:par>
-                    <p:cTn id="13" fill="hold">
-                      <p:stCondLst>
-                        <p:cond delay="indefinite"/>
-                      </p:stCondLst>
-                      <p:childTnLst>
-                        <p:par>
-                          <p:cTn id="14" fill="hold">
-                            <p:stCondLst>
-                              <p:cond delay="0"/>
-                            </p:stCondLst>
-                            <p:childTnLst>
-                              <p:par>
-                                <p:cTn id="15" presetID="12" presetClass="entr" presetSubtype="4" fill="hold" nodeType="clickEffect">
-                                  <p:stCondLst>
-                                    <p:cond delay="0"/>
-                                  </p:stCondLst>
-                                  <p:childTnLst>
-                                    <p:set>
-                                      <p:cBhvr>
-                                        <p:cTn id="16" dur="1" fill="hold">
-                                          <p:stCondLst>
-                                            <p:cond delay="0"/>
-                                          </p:stCondLst>
-                                        </p:cTn>
-                                        <p:tgtEl>
-                                          <p:spTgt spid="3">
-                                            <p:txEl>
-                                              <p:pRg st="6" end="6"/>
-                                            </p:txEl>
-                                          </p:spTgt>
-                                        </p:tgtEl>
-                                        <p:attrNameLst>
-                                          <p:attrName>style.visibility</p:attrName>
-                                        </p:attrNameLst>
-                                      </p:cBhvr>
-                                      <p:to>
-                                        <p:strVal val="visible"/>
-                                      </p:to>
-                                    </p:set>
-                                    <p:animEffect transition="in" filter="slide(fromBottom)">
-                                      <p:cBhvr>
-                                        <p:cTn id="17" dur="500"/>
-                                        <p:tgtEl>
-                                          <p:spTgt spid="3">
-                                            <p:txEl>
-                                              <p:pRg st="6" end="6"/>
-                                            </p:txEl>
-                                          </p:spTgt>
-                                        </p:tgtEl>
-                                      </p:cBhvr>
-                                    </p:animEffect>
-                                  </p:childTnLst>
-                                </p:cTn>
-                              </p:par>
-                            </p:childTnLst>
-                          </p:cTn>
-                        </p:par>
-                      </p:childTnLst>
-                    </p:cTn>
-                  </p:par>
-                </p:childTnLst>
-              </p:cTn>
-              <p:prevCondLst>
-                <p:cond evt="onPrev" delay="0">
-                  <p:tgtEl>
-                    <p:sldTgt/>
-                  </p:tgtEl>
-                </p:cond>
-              </p:prevCondLst>
-              <p:nextCondLst>
-                <p:cond evt="onNext" delay="0">
-                  <p:tgtEl>
-                    <p:sldTgt/>
-                  </p:tgtEl>
-                </p:cond>
-              </p:nextCondLst>
-            </p:seq>
-          </p:childTnLst>
-        </p:cTn>
-      </p:par>
-    </p:tnLst>
-  </p:timing>
-</p:sld>
-</file>
-
-<file path=ppt/slides/slide30.xml><?xml version="1.0" encoding="utf-8"?>
-<p:sld xmlns:a="http://schemas.openxmlformats.org/drawingml/2006/main" xmlns:r="http://schemas.openxmlformats.org/officeDocument/2006/relationships" xmlns:p="http://schemas.openxmlformats.org/presentationml/2006/main">
-  <p:cSld>
-    <p:spTree>
-      <p:nvGrpSpPr>
-        <p:cNvPr id="1" name=""/>
-        <p:cNvGrpSpPr/>
-        <p:nvPr/>
-      </p:nvGrpSpPr>
-      <p:grpSpPr>
-        <a:xfrm>
-          <a:off x="0" y="0"/>
-          <a:ext cx="0" cy="0"/>
-          <a:chOff x="0" y="0"/>
-          <a:chExt cx="0" cy="0"/>
-        </a:xfrm>
-      </p:grpSpPr>
-      <p:sp>
-        <p:nvSpPr>
           <p:cNvPr id="4" name="3 Título"/>
           <p:cNvSpPr>
             <a:spLocks noGrp="1"/>
@@ -20160,6 +19435,319 @@
     <p:tnLst>
       <p:par>
         <p:cTn id="1" dur="indefinite" restart="never" nodeType="tmRoot"/>
+      </p:par>
+    </p:tnLst>
+  </p:timing>
+</p:sld>
+</file>
+
+<file path=ppt/slides/slide3.xml><?xml version="1.0" encoding="utf-8"?>
+<p:sld xmlns:a="http://schemas.openxmlformats.org/drawingml/2006/main" xmlns:r="http://schemas.openxmlformats.org/officeDocument/2006/relationships" xmlns:p="http://schemas.openxmlformats.org/presentationml/2006/main">
+  <p:cSld>
+    <p:spTree>
+      <p:nvGrpSpPr>
+        <p:cNvPr id="1" name=""/>
+        <p:cNvGrpSpPr/>
+        <p:nvPr/>
+      </p:nvGrpSpPr>
+      <p:grpSpPr>
+        <a:xfrm>
+          <a:off x="0" y="0"/>
+          <a:ext cx="0" cy="0"/>
+          <a:chOff x="0" y="0"/>
+          <a:chExt cx="0" cy="0"/>
+        </a:xfrm>
+      </p:grpSpPr>
+      <p:sp>
+        <p:nvSpPr>
+          <p:cNvPr id="2" name="1 Título"/>
+          <p:cNvSpPr>
+            <a:spLocks noGrp="1"/>
+          </p:cNvSpPr>
+          <p:nvPr>
+            <p:ph type="title"/>
+          </p:nvPr>
+        </p:nvSpPr>
+        <p:spPr/>
+        <p:txBody>
+          <a:bodyPr/>
+          <a:lstStyle/>
+          <a:p>
+            <a:r>
+              <a:rPr lang="es-ES" dirty="0" smtClean="0"/>
+              <a:t>INTRODUCCIÓN</a:t>
+            </a:r>
+            <a:endParaRPr lang="es-ES" dirty="0"/>
+          </a:p>
+        </p:txBody>
+      </p:sp>
+      <p:sp>
+        <p:nvSpPr>
+          <p:cNvPr id="3" name="2 Marcador de contenido"/>
+          <p:cNvSpPr>
+            <a:spLocks noGrp="1"/>
+          </p:cNvSpPr>
+          <p:nvPr>
+            <p:ph sz="quarter" idx="1"/>
+          </p:nvPr>
+        </p:nvSpPr>
+        <p:spPr/>
+        <p:txBody>
+          <a:bodyPr/>
+          <a:lstStyle/>
+          <a:p>
+            <a:r>
+              <a:rPr lang="es-ES" dirty="0" smtClean="0"/>
+              <a:t>En grupos de trabajo, se trabaja más mediante internet que en persona</a:t>
+            </a:r>
+          </a:p>
+          <a:p>
+            <a:endParaRPr lang="es-ES" dirty="0" smtClean="0"/>
+          </a:p>
+          <a:p>
+            <a:r>
+              <a:rPr lang="es-ES" dirty="0" smtClean="0"/>
+              <a:t>Las colaboraciones en proyectos son más numerosas</a:t>
+            </a:r>
+          </a:p>
+          <a:p>
+            <a:endParaRPr lang="es-ES" dirty="0" smtClean="0"/>
+          </a:p>
+          <a:p>
+            <a:r>
+              <a:rPr lang="es-ES" dirty="0" smtClean="0"/>
+              <a:t>Dentro del mundo musical es algo habitual</a:t>
+            </a:r>
+          </a:p>
+          <a:p>
+            <a:endParaRPr lang="es-ES" dirty="0" smtClean="0"/>
+          </a:p>
+          <a:p>
+            <a:r>
+              <a:rPr lang="es-ES" dirty="0" smtClean="0"/>
+              <a:t>Este proyecto focaliza su atención en dicho apartado</a:t>
+            </a:r>
+          </a:p>
+        </p:txBody>
+      </p:sp>
+    </p:spTree>
+  </p:cSld>
+  <p:clrMapOvr>
+    <a:masterClrMapping/>
+  </p:clrMapOvr>
+  <p:transition>
+    <p:pull dir="d"/>
+  </p:transition>
+  <p:timing>
+    <p:tnLst>
+      <p:par>
+        <p:cTn id="1" dur="indefinite" restart="never" nodeType="tmRoot">
+          <p:childTnLst>
+            <p:seq concurrent="1" nextAc="seek">
+              <p:cTn id="2" dur="indefinite" nodeType="mainSeq">
+                <p:childTnLst>
+                  <p:par>
+                    <p:cTn id="3" fill="hold">
+                      <p:stCondLst>
+                        <p:cond delay="indefinite"/>
+                      </p:stCondLst>
+                      <p:childTnLst>
+                        <p:par>
+                          <p:cTn id="4" fill="hold">
+                            <p:stCondLst>
+                              <p:cond delay="0"/>
+                            </p:stCondLst>
+                            <p:childTnLst>
+                              <p:par>
+                                <p:cTn id="5" presetID="12" presetClass="entr" presetSubtype="4" fill="hold" nodeType="clickEffect">
+                                  <p:stCondLst>
+                                    <p:cond delay="0"/>
+                                  </p:stCondLst>
+                                  <p:childTnLst>
+                                    <p:set>
+                                      <p:cBhvr>
+                                        <p:cTn id="6" dur="1" fill="hold">
+                                          <p:stCondLst>
+                                            <p:cond delay="0"/>
+                                          </p:stCondLst>
+                                        </p:cTn>
+                                        <p:tgtEl>
+                                          <p:spTgt spid="3">
+                                            <p:txEl>
+                                              <p:pRg st="2" end="2"/>
+                                            </p:txEl>
+                                          </p:spTgt>
+                                        </p:tgtEl>
+                                        <p:attrNameLst>
+                                          <p:attrName>style.visibility</p:attrName>
+                                        </p:attrNameLst>
+                                      </p:cBhvr>
+                                      <p:to>
+                                        <p:strVal val="visible"/>
+                                      </p:to>
+                                    </p:set>
+                                    <p:animEffect transition="in" filter="slide(fromBottom)">
+                                      <p:cBhvr>
+                                        <p:cTn id="7" dur="500"/>
+                                        <p:tgtEl>
+                                          <p:spTgt spid="3">
+                                            <p:txEl>
+                                              <p:pRg st="2" end="2"/>
+                                            </p:txEl>
+                                          </p:spTgt>
+                                        </p:tgtEl>
+                                      </p:cBhvr>
+                                    </p:animEffect>
+                                  </p:childTnLst>
+                                </p:cTn>
+                              </p:par>
+                            </p:childTnLst>
+                          </p:cTn>
+                        </p:par>
+                      </p:childTnLst>
+                    </p:cTn>
+                  </p:par>
+                  <p:par>
+                    <p:cTn id="8" fill="hold">
+                      <p:stCondLst>
+                        <p:cond delay="indefinite"/>
+                      </p:stCondLst>
+                      <p:childTnLst>
+                        <p:par>
+                          <p:cTn id="9" fill="hold">
+                            <p:stCondLst>
+                              <p:cond delay="0"/>
+                            </p:stCondLst>
+                            <p:childTnLst>
+                              <p:par>
+                                <p:cTn id="10" presetID="12" presetClass="entr" presetSubtype="4" fill="hold" nodeType="clickEffect">
+                                  <p:stCondLst>
+                                    <p:cond delay="0"/>
+                                  </p:stCondLst>
+                                  <p:childTnLst>
+                                    <p:set>
+                                      <p:cBhvr>
+                                        <p:cTn id="11" dur="1" fill="hold">
+                                          <p:stCondLst>
+                                            <p:cond delay="0"/>
+                                          </p:stCondLst>
+                                        </p:cTn>
+                                        <p:tgtEl>
+                                          <p:spTgt spid="3">
+                                            <p:txEl>
+                                              <p:pRg st="4" end="4"/>
+                                            </p:txEl>
+                                          </p:spTgt>
+                                        </p:tgtEl>
+                                        <p:attrNameLst>
+                                          <p:attrName>style.visibility</p:attrName>
+                                        </p:attrNameLst>
+                                      </p:cBhvr>
+                                      <p:to>
+                                        <p:strVal val="visible"/>
+                                      </p:to>
+                                    </p:set>
+                                    <p:animEffect transition="in" filter="slide(fromBottom)">
+                                      <p:cBhvr>
+                                        <p:cTn id="12" dur="500"/>
+                                        <p:tgtEl>
+                                          <p:spTgt spid="3">
+                                            <p:txEl>
+                                              <p:pRg st="4" end="4"/>
+                                            </p:txEl>
+                                          </p:spTgt>
+                                        </p:tgtEl>
+                                      </p:cBhvr>
+                                    </p:animEffect>
+                                  </p:childTnLst>
+                                </p:cTn>
+                              </p:par>
+                            </p:childTnLst>
+                          </p:cTn>
+                        </p:par>
+                      </p:childTnLst>
+                    </p:cTn>
+                  </p:par>
+                  <p:par>
+                    <p:cTn id="13" fill="hold">
+                      <p:stCondLst>
+                        <p:cond delay="indefinite"/>
+                      </p:stCondLst>
+                      <p:childTnLst>
+                        <p:par>
+                          <p:cTn id="14" fill="hold">
+                            <p:stCondLst>
+                              <p:cond delay="0"/>
+                            </p:stCondLst>
+                            <p:childTnLst>
+                              <p:par>
+                                <p:cTn id="15" presetID="12" presetClass="entr" presetSubtype="4" fill="hold" nodeType="clickEffect">
+                                  <p:stCondLst>
+                                    <p:cond delay="0"/>
+                                  </p:stCondLst>
+                                  <p:childTnLst>
+                                    <p:set>
+                                      <p:cBhvr>
+                                        <p:cTn id="16" dur="1" fill="hold">
+                                          <p:stCondLst>
+                                            <p:cond delay="0"/>
+                                          </p:stCondLst>
+                                        </p:cTn>
+                                        <p:tgtEl>
+                                          <p:spTgt spid="3">
+                                            <p:txEl>
+                                              <p:pRg st="6" end="6"/>
+                                            </p:txEl>
+                                          </p:spTgt>
+                                        </p:tgtEl>
+                                        <p:attrNameLst>
+                                          <p:attrName>style.visibility</p:attrName>
+                                        </p:attrNameLst>
+                                      </p:cBhvr>
+                                      <p:to>
+                                        <p:strVal val="visible"/>
+                                      </p:to>
+                                    </p:set>
+                                    <p:animEffect transition="in" filter="slide(fromBottom)">
+                                      <p:cBhvr>
+                                        <p:cTn id="17" dur="500"/>
+                                        <p:tgtEl>
+                                          <p:spTgt spid="3">
+                                            <p:txEl>
+                                              <p:pRg st="6" end="6"/>
+                                            </p:txEl>
+                                          </p:spTgt>
+                                        </p:tgtEl>
+                                      </p:cBhvr>
+                                    </p:animEffect>
+                                  </p:childTnLst>
+                                </p:cTn>
+                              </p:par>
+                            </p:childTnLst>
+                          </p:cTn>
+                        </p:par>
+                      </p:childTnLst>
+                    </p:cTn>
+                  </p:par>
+                </p:childTnLst>
+              </p:cTn>
+              <p:prevCondLst>
+                <p:cond evt="onPrev" delay="0">
+                  <p:tgtEl>
+                    <p:sldTgt/>
+                  </p:tgtEl>
+                </p:cond>
+              </p:prevCondLst>
+              <p:nextCondLst>
+                <p:cond evt="onNext" delay="0">
+                  <p:tgtEl>
+                    <p:sldTgt/>
+                  </p:tgtEl>
+                </p:cond>
+              </p:nextCondLst>
+            </p:seq>
+          </p:childTnLst>
+        </p:cTn>
       </p:par>
     </p:tnLst>
   </p:timing>
@@ -20500,57 +20088,25 @@
           <a:p>
             <a:r>
               <a:rPr lang="es-ES" dirty="0" smtClean="0"/>
-              <a:t>Darío: </a:t>
-            </a:r>
+              <a:t>Darío: estudiante de la rama de computación</a:t>
+            </a:r>
+          </a:p>
+          <a:p>
             <a:r>
               <a:rPr lang="es-ES" dirty="0" smtClean="0"/>
-              <a:t>estudiante de la rama de </a:t>
-            </a:r>
+              <a:t>Diego: estudiante de la rama de hardware</a:t>
+            </a:r>
+          </a:p>
+          <a:p>
             <a:r>
               <a:rPr lang="es-ES" dirty="0" smtClean="0"/>
-              <a:t>computación</a:t>
+              <a:t>Gabriel: estudiante de la rama de hardware</a:t>
             </a:r>
           </a:p>
           <a:p>
             <a:r>
               <a:rPr lang="es-ES" dirty="0" smtClean="0"/>
-              <a:t>Diego: </a:t>
-            </a:r>
-            <a:r>
-              <a:rPr lang="es-ES" dirty="0" smtClean="0"/>
-              <a:t>estudiante de la rama de </a:t>
-            </a:r>
-            <a:r>
-              <a:rPr lang="es-ES" dirty="0" smtClean="0"/>
-              <a:t>hardware</a:t>
-            </a:r>
-          </a:p>
-          <a:p>
-            <a:r>
-              <a:rPr lang="es-ES" dirty="0" smtClean="0"/>
-              <a:t>Gabriel: </a:t>
-            </a:r>
-            <a:r>
-              <a:rPr lang="es-ES" dirty="0" smtClean="0"/>
-              <a:t>estudiante de la rama de </a:t>
-            </a:r>
-            <a:r>
-              <a:rPr lang="es-ES" dirty="0" smtClean="0"/>
-              <a:t>hardware</a:t>
-            </a:r>
-          </a:p>
-          <a:p>
-            <a:r>
-              <a:rPr lang="es-ES" dirty="0" smtClean="0"/>
-              <a:t>Joaquín: </a:t>
-            </a:r>
-            <a:r>
-              <a:rPr lang="es-ES" dirty="0" smtClean="0"/>
-              <a:t>estudiante de la rama de </a:t>
-            </a:r>
-            <a:r>
-              <a:rPr lang="es-ES" dirty="0" smtClean="0"/>
-              <a:t>computación</a:t>
+              <a:t>Joaquín: estudiante de la rama de computación</a:t>
             </a:r>
           </a:p>
           <a:p>
@@ -20560,31 +20116,14 @@
             </a:r>
             <a:r>
               <a:rPr lang="es-ES" dirty="0" smtClean="0"/>
-              <a:t>: </a:t>
-            </a:r>
+              <a:t>: estudiante de la rama de sistemas de la información</a:t>
+            </a:r>
+          </a:p>
+          <a:p>
             <a:r>
               <a:rPr lang="es-ES" dirty="0" smtClean="0"/>
-              <a:t>estudiante de la rama de </a:t>
-            </a:r>
-            <a:r>
-              <a:rPr lang="es-ES" dirty="0" smtClean="0"/>
-              <a:t>sistemas de la información</a:t>
-            </a:r>
-          </a:p>
-          <a:p>
-            <a:r>
-              <a:rPr lang="es-ES" dirty="0" smtClean="0"/>
-              <a:t>Pedro: </a:t>
-            </a:r>
-            <a:r>
-              <a:rPr lang="es-ES" dirty="0" smtClean="0"/>
-              <a:t>estudiante de la rama de </a:t>
-            </a:r>
-            <a:r>
-              <a:rPr lang="es-ES" dirty="0" smtClean="0"/>
-              <a:t>computación</a:t>
-            </a:r>
-            <a:endParaRPr lang="es-ES" dirty="0" smtClean="0"/>
+              <a:t>Pedro: estudiante de la rama de computación</a:t>
+            </a:r>
           </a:p>
         </p:txBody>
       </p:sp>
@@ -21069,11 +20608,7 @@
           <a:p>
             <a:r>
               <a:rPr lang="es-ES" dirty="0" smtClean="0"/>
-              <a:t>Análisis </a:t>
-            </a:r>
-            <a:r>
-              <a:rPr lang="es-ES" dirty="0" smtClean="0"/>
-              <a:t>de requisitos</a:t>
+              <a:t>Análisis de requisitos</a:t>
             </a:r>
           </a:p>
           <a:p>
@@ -21499,7 +21034,6 @@
               <a:rPr lang="es-ES" dirty="0" smtClean="0"/>
               <a:t>Visualización de proyectos</a:t>
             </a:r>
-            <a:endParaRPr lang="es-ES" dirty="0" smtClean="0"/>
           </a:p>
           <a:p>
             <a:endParaRPr lang="es-ES" dirty="0" smtClean="0"/>
@@ -22008,7 +21542,6 @@
               <a:rPr lang="es-ES" dirty="0" smtClean="0"/>
               <a:t>Reconocimiento de usuarios</a:t>
             </a:r>
-            <a:endParaRPr lang="es-ES" dirty="0" smtClean="0"/>
           </a:p>
           <a:p>
             <a:endParaRPr lang="es-ES" dirty="0" smtClean="0"/>

--- a/Memoria y presentación/Presentacion tecnica.pptx
+++ b/Memoria y presentación/Presentacion tecnica.pptx
@@ -11196,15 +11196,13 @@
           <a:p>
             <a:r>
               <a:rPr lang="es-ES" dirty="0" smtClean="0"/>
-              <a:t>Diseño del sistema</a:t>
-            </a:r>
-          </a:p>
-          <a:p>
+              <a:t>Diseño del </a:t>
+            </a:r>
             <a:r>
               <a:rPr lang="es-ES" dirty="0" smtClean="0"/>
-              <a:t>Presupuesto</a:t>
-            </a:r>
-            <a:endParaRPr lang="es-ES" dirty="0"/>
+              <a:t>sistema</a:t>
+            </a:r>
+            <a:endParaRPr lang="es-ES" dirty="0" smtClean="0"/>
           </a:p>
         </p:txBody>
       </p:sp>
@@ -11854,15 +11852,13 @@
           <a:p>
             <a:r>
               <a:rPr lang="es-ES" dirty="0" smtClean="0"/>
-              <a:t>Diseño del sistema</a:t>
-            </a:r>
-          </a:p>
-          <a:p>
+              <a:t>Diseño del </a:t>
+            </a:r>
             <a:r>
               <a:rPr lang="es-ES" dirty="0" smtClean="0"/>
-              <a:t>Presupuesto</a:t>
-            </a:r>
-            <a:endParaRPr lang="es-ES" dirty="0"/>
+              <a:t>sistema</a:t>
+            </a:r>
+            <a:endParaRPr lang="es-ES" dirty="0" smtClean="0"/>
           </a:p>
         </p:txBody>
       </p:sp>
@@ -12510,15 +12506,13 @@
           <a:p>
             <a:r>
               <a:rPr lang="es-ES" dirty="0" smtClean="0"/>
-              <a:t>Diseño del sistema</a:t>
-            </a:r>
-          </a:p>
-          <a:p>
+              <a:t>Diseño del </a:t>
+            </a:r>
             <a:r>
               <a:rPr lang="es-ES" dirty="0" smtClean="0"/>
-              <a:t>Presupuesto</a:t>
-            </a:r>
-            <a:endParaRPr lang="es-ES" dirty="0"/>
+              <a:t>sistema</a:t>
+            </a:r>
+            <a:endParaRPr lang="es-ES" dirty="0" smtClean="0"/>
           </a:p>
         </p:txBody>
       </p:sp>
@@ -13109,15 +13103,13 @@
           <a:p>
             <a:r>
               <a:rPr lang="es-ES" dirty="0" smtClean="0"/>
-              <a:t>Diseño del sistema</a:t>
-            </a:r>
-          </a:p>
-          <a:p>
+              <a:t>Diseño del </a:t>
+            </a:r>
             <a:r>
               <a:rPr lang="es-ES" dirty="0" smtClean="0"/>
-              <a:t>Presupuesto</a:t>
-            </a:r>
-            <a:endParaRPr lang="es-ES" dirty="0"/>
+              <a:t>sistema</a:t>
+            </a:r>
+            <a:endParaRPr lang="es-ES" dirty="0" smtClean="0"/>
           </a:p>
         </p:txBody>
       </p:sp>
@@ -13886,22 +13878,19 @@
             <a:pPr lvl="2"/>
             <a:r>
               <a:rPr lang="es-ES" dirty="0" smtClean="0"/>
-              <a:t>SW y HW independientes</a:t>
-            </a:r>
-          </a:p>
-          <a:p>
-            <a:pPr lvl="2"/>
+              <a:t>Servidor</a:t>
+            </a:r>
             <a:r>
               <a:rPr lang="es-ES" dirty="0" smtClean="0"/>
-              <a:t>Servidor: </a:t>
-            </a:r>
-            <a:r>
-              <a:rPr lang="es-ES" dirty="0" err="1" smtClean="0"/>
-              <a:t>raspberry</a:t>
+              <a:t>: </a:t>
             </a:r>
             <a:r>
               <a:rPr lang="es-ES" dirty="0" smtClean="0"/>
-              <a:t> + máquinas virtuales</a:t>
+              <a:t> máquinas </a:t>
+            </a:r>
+            <a:r>
+              <a:rPr lang="es-ES" dirty="0" smtClean="0"/>
+              <a:t>virtuales</a:t>
             </a:r>
           </a:p>
         </p:txBody>
@@ -14180,75 +14169,14 @@
                             </p:stCondLst>
                             <p:childTnLst>
                               <p:par>
-                                <p:cTn id="25" presetID="12" presetClass="entr" presetSubtype="4" fill="hold" nodeType="clickEffect">
-                                  <p:stCondLst>
-                                    <p:cond delay="0"/>
-                                  </p:stCondLst>
-                                  <p:childTnLst>
-                                    <p:set>
-                                      <p:cBhvr>
-                                        <p:cTn id="26" dur="1" fill="hold">
-                                          <p:stCondLst>
-                                            <p:cond delay="0"/>
-                                          </p:stCondLst>
-                                        </p:cTn>
-                                        <p:tgtEl>
-                                          <p:spTgt spid="3">
-                                            <p:txEl>
-                                              <p:pRg st="5" end="5"/>
-                                            </p:txEl>
-                                          </p:spTgt>
-                                        </p:tgtEl>
-                                        <p:attrNameLst>
-                                          <p:attrName>style.visibility</p:attrName>
-                                        </p:attrNameLst>
-                                      </p:cBhvr>
-                                      <p:to>
-                                        <p:strVal val="visible"/>
-                                      </p:to>
-                                    </p:set>
-                                    <p:animEffect transition="in" filter="slide(fromBottom)">
-                                      <p:cBhvr>
-                                        <p:cTn id="27" dur="500"/>
-                                        <p:tgtEl>
-                                          <p:spTgt spid="3">
-                                            <p:txEl>
-                                              <p:pRg st="5" end="5"/>
-                                            </p:txEl>
-                                          </p:spTgt>
-                                        </p:tgtEl>
-                                      </p:cBhvr>
-                                    </p:animEffect>
-                                  </p:childTnLst>
-                                </p:cTn>
-                              </p:par>
-                            </p:childTnLst>
-                          </p:cTn>
-                        </p:par>
-                      </p:childTnLst>
-                    </p:cTn>
-                  </p:par>
-                  <p:par>
-                    <p:cTn id="28" fill="hold">
-                      <p:stCondLst>
-                        <p:cond delay="indefinite"/>
-                      </p:stCondLst>
-                      <p:childTnLst>
-                        <p:par>
-                          <p:cTn id="29" fill="hold">
-                            <p:stCondLst>
-                              <p:cond delay="0"/>
-                            </p:stCondLst>
-                            <p:childTnLst>
-                              <p:par>
-                                <p:cTn id="30" presetID="12" presetClass="exit" presetSubtype="4" fill="hold" nodeType="clickEffect">
+                                <p:cTn id="25" presetID="12" presetClass="exit" presetSubtype="4" fill="hold" nodeType="clickEffect">
                                   <p:stCondLst>
                                     <p:cond delay="0"/>
                                   </p:stCondLst>
                                   <p:childTnLst>
                                     <p:animEffect transition="out" filter="slide(fromBottom)">
                                       <p:cBhvr>
-                                        <p:cTn id="31" dur="500"/>
+                                        <p:cTn id="26" dur="500"/>
                                         <p:tgtEl>
                                           <p:spTgt spid="3">
                                             <p:txEl>
@@ -14260,7 +14188,7 @@
                                     </p:animEffect>
                                     <p:set>
                                       <p:cBhvr>
-                                        <p:cTn id="32" dur="1" fill="hold">
+                                        <p:cTn id="27" dur="1" fill="hold">
                                           <p:stCondLst>
                                             <p:cond delay="499"/>
                                           </p:stCondLst>
@@ -14284,14 +14212,14 @@
                                 </p:cTn>
                               </p:par>
                               <p:par>
-                                <p:cTn id="33" presetID="12" presetClass="exit" presetSubtype="4" fill="hold" nodeType="withEffect">
+                                <p:cTn id="28" presetID="12" presetClass="exit" presetSubtype="4" fill="hold" nodeType="withEffect">
                                   <p:stCondLst>
                                     <p:cond delay="0"/>
                                   </p:stCondLst>
                                   <p:childTnLst>
                                     <p:animEffect transition="out" filter="slide(fromBottom)">
                                       <p:cBhvr>
-                                        <p:cTn id="34" dur="500"/>
+                                        <p:cTn id="29" dur="500"/>
                                         <p:tgtEl>
                                           <p:spTgt spid="3">
                                             <p:txEl>
@@ -14303,7 +14231,7 @@
                                     </p:animEffect>
                                     <p:set>
                                       <p:cBhvr>
-                                        <p:cTn id="35" dur="1" fill="hold">
+                                        <p:cTn id="30" dur="1" fill="hold">
                                           <p:stCondLst>
                                             <p:cond delay="499"/>
                                           </p:stCondLst>
@@ -14327,14 +14255,14 @@
                                 </p:cTn>
                               </p:par>
                               <p:par>
-                                <p:cTn id="36" presetID="12" presetClass="exit" presetSubtype="4" fill="hold" nodeType="withEffect">
+                                <p:cTn id="31" presetID="12" presetClass="exit" presetSubtype="4" fill="hold" nodeType="withEffect">
                                   <p:stCondLst>
                                     <p:cond delay="0"/>
                                   </p:stCondLst>
                                   <p:childTnLst>
                                     <p:animEffect transition="out" filter="slide(fromBottom)">
                                       <p:cBhvr>
-                                        <p:cTn id="37" dur="500"/>
+                                        <p:cTn id="32" dur="500"/>
                                         <p:tgtEl>
                                           <p:spTgt spid="3">
                                             <p:txEl>
@@ -14346,7 +14274,7 @@
                                     </p:animEffect>
                                     <p:set>
                                       <p:cBhvr>
-                                        <p:cTn id="38" dur="1" fill="hold">
+                                        <p:cTn id="33" dur="1" fill="hold">
                                           <p:stCondLst>
                                             <p:cond delay="499"/>
                                           </p:stCondLst>
@@ -14355,49 +14283,6 @@
                                           <p:spTgt spid="3">
                                             <p:txEl>
                                               <p:pRg st="4" end="4"/>
-                                            </p:txEl>
-                                          </p:spTgt>
-                                        </p:tgtEl>
-                                        <p:attrNameLst>
-                                          <p:attrName>style.visibility</p:attrName>
-                                        </p:attrNameLst>
-                                      </p:cBhvr>
-                                      <p:to>
-                                        <p:strVal val="hidden"/>
-                                      </p:to>
-                                    </p:set>
-                                  </p:childTnLst>
-                                </p:cTn>
-                              </p:par>
-                              <p:par>
-                                <p:cTn id="39" presetID="12" presetClass="exit" presetSubtype="4" fill="hold" nodeType="withEffect">
-                                  <p:stCondLst>
-                                    <p:cond delay="0"/>
-                                  </p:stCondLst>
-                                  <p:childTnLst>
-                                    <p:animEffect transition="out" filter="slide(fromBottom)">
-                                      <p:cBhvr>
-                                        <p:cTn id="40" dur="500"/>
-                                        <p:tgtEl>
-                                          <p:spTgt spid="3">
-                                            <p:txEl>
-                                              <p:pRg st="5" end="5"/>
-                                            </p:txEl>
-                                          </p:spTgt>
-                                        </p:tgtEl>
-                                      </p:cBhvr>
-                                    </p:animEffect>
-                                    <p:set>
-                                      <p:cBhvr>
-                                        <p:cTn id="41" dur="1" fill="hold">
-                                          <p:stCondLst>
-                                            <p:cond delay="499"/>
-                                          </p:stCondLst>
-                                        </p:cTn>
-                                        <p:tgtEl>
-                                          <p:spTgt spid="3">
-                                            <p:txEl>
-                                              <p:pRg st="5" end="5"/>
                                             </p:txEl>
                                           </p:spTgt>
                                         </p:tgtEl>
@@ -14555,15 +14440,13 @@
           <a:p>
             <a:r>
               <a:rPr lang="es-ES" dirty="0" smtClean="0"/>
-              <a:t>Diseño del sistema</a:t>
-            </a:r>
-          </a:p>
-          <a:p>
+              <a:t>Diseño del </a:t>
+            </a:r>
             <a:r>
               <a:rPr lang="es-ES" dirty="0" smtClean="0"/>
-              <a:t>Presupuesto</a:t>
-            </a:r>
-            <a:endParaRPr lang="es-ES" dirty="0"/>
+              <a:t>sistema</a:t>
+            </a:r>
+            <a:endParaRPr lang="es-ES" dirty="0" smtClean="0"/>
           </a:p>
         </p:txBody>
       </p:sp>
@@ -15118,67 +15001,6 @@
                                           <p:spTgt spid="3">
                                             <p:txEl>
                                               <p:pRg st="8" end="8"/>
-                                            </p:txEl>
-                                          </p:spTgt>
-                                        </p:tgtEl>
-                                      </p:cBhvr>
-                                    </p:animEffect>
-                                  </p:childTnLst>
-                                </p:cTn>
-                              </p:par>
-                            </p:childTnLst>
-                          </p:cTn>
-                        </p:par>
-                      </p:childTnLst>
-                    </p:cTn>
-                  </p:par>
-                  <p:par>
-                    <p:cTn id="48" fill="hold">
-                      <p:stCondLst>
-                        <p:cond delay="indefinite"/>
-                      </p:stCondLst>
-                      <p:childTnLst>
-                        <p:par>
-                          <p:cTn id="49" fill="hold">
-                            <p:stCondLst>
-                              <p:cond delay="0"/>
-                            </p:stCondLst>
-                            <p:childTnLst>
-                              <p:par>
-                                <p:cTn id="50" presetID="12" presetClass="entr" presetSubtype="4" fill="hold" grpId="0" nodeType="clickEffect">
-                                  <p:stCondLst>
-                                    <p:cond delay="0"/>
-                                  </p:stCondLst>
-                                  <p:childTnLst>
-                                    <p:set>
-                                      <p:cBhvr>
-                                        <p:cTn id="51" dur="1" fill="hold">
-                                          <p:stCondLst>
-                                            <p:cond delay="0"/>
-                                          </p:stCondLst>
-                                        </p:cTn>
-                                        <p:tgtEl>
-                                          <p:spTgt spid="3">
-                                            <p:txEl>
-                                              <p:pRg st="9" end="9"/>
-                                            </p:txEl>
-                                          </p:spTgt>
-                                        </p:tgtEl>
-                                        <p:attrNameLst>
-                                          <p:attrName>style.visibility</p:attrName>
-                                        </p:attrNameLst>
-                                      </p:cBhvr>
-                                      <p:to>
-                                        <p:strVal val="visible"/>
-                                      </p:to>
-                                    </p:set>
-                                    <p:animEffect transition="in" filter="slide(fromBottom)">
-                                      <p:cBhvr>
-                                        <p:cTn id="52" dur="500"/>
-                                        <p:tgtEl>
-                                          <p:spTgt spid="3">
-                                            <p:txEl>
-                                              <p:pRg st="9" end="9"/>
                                             </p:txEl>
                                           </p:spTgt>
                                         </p:tgtEl>
@@ -15724,15 +15546,13 @@
           <a:p>
             <a:r>
               <a:rPr lang="es-ES" dirty="0" smtClean="0"/>
-              <a:t>Diseño del sistema</a:t>
-            </a:r>
-          </a:p>
-          <a:p>
+              <a:t>Diseño del </a:t>
+            </a:r>
             <a:r>
               <a:rPr lang="es-ES" dirty="0" smtClean="0"/>
-              <a:t>Presupuesto</a:t>
-            </a:r>
-            <a:endParaRPr lang="es-ES" dirty="0"/>
+              <a:t>sistema</a:t>
+            </a:r>
+            <a:endParaRPr lang="es-ES" dirty="0" smtClean="0"/>
           </a:p>
         </p:txBody>
       </p:sp>
@@ -16245,15 +16065,13 @@
           <a:p>
             <a:r>
               <a:rPr lang="es-ES" dirty="0" smtClean="0"/>
-              <a:t>Diseño del sistema</a:t>
-            </a:r>
-          </a:p>
-          <a:p>
+              <a:t>Diseño del </a:t>
+            </a:r>
             <a:r>
               <a:rPr lang="es-ES" dirty="0" smtClean="0"/>
-              <a:t>Presupuesto</a:t>
-            </a:r>
-            <a:endParaRPr lang="es-ES" dirty="0"/>
+              <a:t>sistema</a:t>
+            </a:r>
+            <a:endParaRPr lang="es-ES" dirty="0" smtClean="0"/>
           </a:p>
         </p:txBody>
       </p:sp>
@@ -16492,6 +16310,52 @@
           </a:prstGeom>
         </p:spPr>
       </p:pic>
+      <p:sp>
+        <p:nvSpPr>
+          <p:cNvPr id="6" name="5 Rectángulo"/>
+          <p:cNvSpPr/>
+          <p:nvPr/>
+        </p:nvSpPr>
+        <p:spPr>
+          <a:xfrm>
+            <a:off x="2571736" y="4357694"/>
+            <a:ext cx="1071570" cy="428628"/>
+          </a:xfrm>
+          <a:prstGeom prst="rect">
+            <a:avLst/>
+          </a:prstGeom>
+          <a:solidFill>
+            <a:schemeClr val="bg1"/>
+          </a:solidFill>
+          <a:ln>
+            <a:solidFill>
+              <a:schemeClr val="bg1"/>
+            </a:solidFill>
+          </a:ln>
+        </p:spPr>
+        <p:style>
+          <a:lnRef idx="2">
+            <a:schemeClr val="accent6"/>
+          </a:lnRef>
+          <a:fillRef idx="1">
+            <a:schemeClr val="lt1"/>
+          </a:fillRef>
+          <a:effectRef idx="0">
+            <a:schemeClr val="accent6"/>
+          </a:effectRef>
+          <a:fontRef idx="minor">
+            <a:schemeClr val="dk1"/>
+          </a:fontRef>
+        </p:style>
+        <p:txBody>
+          <a:bodyPr rtlCol="0" anchor="ctr"/>
+          <a:lstStyle/>
+          <a:p>
+            <a:pPr algn="ctr"/>
+            <a:endParaRPr lang="es-ES"/>
+          </a:p>
+        </p:txBody>
+      </p:sp>
     </p:spTree>
   </p:cSld>
   <p:clrMapOvr>
@@ -16641,40 +16505,31 @@
       </p:pic>
       <p:pic>
         <p:nvPicPr>
-          <p:cNvPr id="2051" name="Picture 3"/>
+          <p:cNvPr id="16" name="15 Imagen" descr="WhatsApp Image 2018-05-28 at 16.58.38.jpeg"/>
           <p:cNvPicPr>
-            <a:picLocks noChangeAspect="1" noChangeArrowheads="1"/>
+            <a:picLocks noChangeAspect="1"/>
           </p:cNvPicPr>
           <p:nvPr/>
         </p:nvPicPr>
         <p:blipFill>
           <a:blip r:embed="rId4" cstate="print"/>
-          <a:srcRect t="8687" b="4447"/>
           <a:stretch>
             <a:fillRect/>
           </a:stretch>
         </p:blipFill>
-        <p:spPr bwMode="auto">
+        <p:spPr>
           <a:xfrm>
-            <a:off x="2571736" y="3571876"/>
-            <a:ext cx="2639737" cy="1289204"/>
+            <a:off x="2571737" y="3571876"/>
+            <a:ext cx="2723470" cy="1334447"/>
           </a:xfrm>
           <a:prstGeom prst="rect">
             <a:avLst/>
           </a:prstGeom>
-          <a:noFill/>
-          <a:ln w="9525">
-            <a:noFill/>
-            <a:miter lim="800000"/>
-            <a:headEnd/>
-            <a:tailEnd/>
-          </a:ln>
-          <a:effectLst/>
         </p:spPr>
       </p:pic>
       <p:pic>
         <p:nvPicPr>
-          <p:cNvPr id="2055" name="Picture 7"/>
+          <p:cNvPr id="2055" name="Picture 7" hidden="1"/>
           <p:cNvPicPr>
             <a:picLocks noChangeAspect="1" noChangeArrowheads="1"/>
           </p:cNvPicPr>
@@ -16769,6 +16624,30 @@
             <a:tailEnd/>
           </a:ln>
           <a:effectLst/>
+        </p:spPr>
+      </p:pic>
+      <p:pic>
+        <p:nvPicPr>
+          <p:cNvPr id="17" name="16 Imagen" descr="WhatsApp Image 2018-05-28 at 16.58.37.jpeg"/>
+          <p:cNvPicPr>
+            <a:picLocks noChangeAspect="1"/>
+          </p:cNvPicPr>
+          <p:nvPr/>
+        </p:nvPicPr>
+        <p:blipFill>
+          <a:blip r:embed="rId8" cstate="print"/>
+          <a:stretch>
+            <a:fillRect/>
+          </a:stretch>
+        </p:blipFill>
+        <p:spPr>
+          <a:xfrm>
+            <a:off x="2571737" y="3571876"/>
+            <a:ext cx="2776540" cy="1357323"/>
+          </a:xfrm>
+          <a:prstGeom prst="rect">
+            <a:avLst/>
+          </a:prstGeom>
         </p:spPr>
       </p:pic>
       <p:cxnSp>
@@ -17273,7 +17152,7 @@
                                           </p:stCondLst>
                                         </p:cTn>
                                         <p:tgtEl>
-                                          <p:spTgt spid="2051"/>
+                                          <p:spTgt spid="2055"/>
                                         </p:tgtEl>
                                         <p:attrNameLst>
                                           <p:attrName>style.visibility</p:attrName>
@@ -17287,7 +17166,7 @@
                                       <p:cBhvr>
                                         <p:cTn id="35" dur="1000" fill="hold"/>
                                         <p:tgtEl>
-                                          <p:spTgt spid="2051"/>
+                                          <p:spTgt spid="2055"/>
                                         </p:tgtEl>
                                         <p:attrNameLst>
                                           <p:attrName>ppt_w</p:attrName>
@@ -17310,7 +17189,7 @@
                                       <p:cBhvr>
                                         <p:cTn id="36" dur="1000" fill="hold"/>
                                         <p:tgtEl>
-                                          <p:spTgt spid="2051"/>
+                                          <p:spTgt spid="2055"/>
                                         </p:tgtEl>
                                         <p:attrNameLst>
                                           <p:attrName>ppt_h</p:attrName>
@@ -17333,28 +17212,10 @@
                                       <p:cBhvr>
                                         <p:cTn id="37" dur="1000"/>
                                         <p:tgtEl>
-                                          <p:spTgt spid="2051"/>
+                                          <p:spTgt spid="2055"/>
                                         </p:tgtEl>
                                       </p:cBhvr>
                                     </p:animEffect>
-                                  </p:childTnLst>
-                                </p:cTn>
-                              </p:par>
-                              <p:par>
-                                <p:cTn id="38" presetID="6" presetClass="emph" presetSubtype="0" fill="hold" nodeType="withEffect">
-                                  <p:stCondLst>
-                                    <p:cond delay="0"/>
-                                  </p:stCondLst>
-                                  <p:childTnLst>
-                                    <p:animScale>
-                                      <p:cBhvr>
-                                        <p:cTn id="39" dur="1000" fill="hold"/>
-                                        <p:tgtEl>
-                                          <p:spTgt spid="2051"/>
-                                        </p:tgtEl>
-                                      </p:cBhvr>
-                                      <p:by x="200000" y="200000"/>
-                                    </p:animScale>
                                   </p:childTnLst>
                                 </p:cTn>
                               </p:par>
@@ -17365,90 +17226,32 @@
                     </p:cTn>
                   </p:par>
                   <p:par>
-                    <p:cTn id="40" fill="hold">
+                    <p:cTn id="38" fill="hold">
                       <p:stCondLst>
                         <p:cond delay="indefinite"/>
                       </p:stCondLst>
                       <p:childTnLst>
                         <p:par>
-                          <p:cTn id="41" fill="hold">
+                          <p:cTn id="39" fill="hold">
                             <p:stCondLst>
                               <p:cond delay="0"/>
                             </p:stCondLst>
                             <p:childTnLst>
                               <p:par>
-                                <p:cTn id="42" presetID="6" presetClass="emph" presetSubtype="0" fill="hold" nodeType="clickEffect">
-                                  <p:stCondLst>
-                                    <p:cond delay="0"/>
-                                  </p:stCondLst>
-                                  <p:childTnLst>
-                                    <p:animScale>
-                                      <p:cBhvr>
-                                        <p:cTn id="43" dur="1000" fill="hold"/>
-                                        <p:tgtEl>
-                                          <p:spTgt spid="2051"/>
-                                        </p:tgtEl>
-                                      </p:cBhvr>
-                                      <p:by x="50000" y="50000"/>
-                                    </p:animScale>
-                                  </p:childTnLst>
-                                </p:cTn>
-                              </p:par>
-                              <p:par>
-                                <p:cTn id="44" presetID="63" presetClass="path" presetSubtype="0" accel="50000" decel="50000" fill="hold" nodeType="withEffect">
-                                  <p:stCondLst>
-                                    <p:cond delay="0"/>
-                                  </p:stCondLst>
-                                  <p:childTnLst>
-                                    <p:animMotion origin="layout" path="M -8.33333E-7 3.93154E-6 L 0.35799 0.00069 " pathEditMode="relative" rAng="0" ptsTypes="AA">
-                                      <p:cBhvr>
-                                        <p:cTn id="45" dur="1000" fill="hold"/>
-                                        <p:tgtEl>
-                                          <p:spTgt spid="2051"/>
-                                        </p:tgtEl>
-                                        <p:attrNameLst>
-                                          <p:attrName>ppt_x</p:attrName>
-                                          <p:attrName>ppt_y</p:attrName>
-                                        </p:attrNameLst>
-                                      </p:cBhvr>
-                                      <p:rCtr x="179" y="0"/>
-                                    </p:animMotion>
-                                  </p:childTnLst>
-                                </p:cTn>
-                              </p:par>
-                            </p:childTnLst>
-                          </p:cTn>
-                        </p:par>
-                      </p:childTnLst>
-                    </p:cTn>
-                  </p:par>
-                  <p:par>
-                    <p:cTn id="46" fill="hold">
-                      <p:stCondLst>
-                        <p:cond delay="indefinite"/>
-                      </p:stCondLst>
-                      <p:childTnLst>
-                        <p:par>
-                          <p:cTn id="47" fill="hold">
-                            <p:stCondLst>
-                              <p:cond delay="0"/>
-                            </p:stCondLst>
-                            <p:childTnLst>
-                              <p:par>
-                                <p:cTn id="48" presetID="55" presetClass="entr" presetSubtype="0" fill="hold" nodeType="clickEffect">
+                                <p:cTn id="40" presetID="55" presetClass="entr" presetSubtype="0" fill="hold" nodeType="clickEffect">
                                   <p:stCondLst>
                                     <p:cond delay="0"/>
                                   </p:stCondLst>
                                   <p:childTnLst>
                                     <p:set>
                                       <p:cBhvr>
-                                        <p:cTn id="49" dur="1" fill="hold">
+                                        <p:cTn id="41" dur="1" fill="hold">
                                           <p:stCondLst>
                                             <p:cond delay="0"/>
                                           </p:stCondLst>
                                         </p:cTn>
                                         <p:tgtEl>
-                                          <p:spTgt spid="2055"/>
+                                          <p:spTgt spid="16"/>
                                         </p:tgtEl>
                                         <p:attrNameLst>
                                           <p:attrName>style.visibility</p:attrName>
@@ -17460,9 +17263,9 @@
                                     </p:set>
                                     <p:anim calcmode="lin" valueType="num">
                                       <p:cBhvr>
-                                        <p:cTn id="50" dur="1000" fill="hold"/>
-                                        <p:tgtEl>
-                                          <p:spTgt spid="2055"/>
+                                        <p:cTn id="42" dur="1000" fill="hold"/>
+                                        <p:tgtEl>
+                                          <p:spTgt spid="16"/>
                                         </p:tgtEl>
                                         <p:attrNameLst>
                                           <p:attrName>ppt_w</p:attrName>
@@ -17483,9 +17286,9 @@
                                     </p:anim>
                                     <p:anim calcmode="lin" valueType="num">
                                       <p:cBhvr>
-                                        <p:cTn id="51" dur="1000" fill="hold"/>
-                                        <p:tgtEl>
-                                          <p:spTgt spid="2055"/>
+                                        <p:cTn id="43" dur="1000" fill="hold"/>
+                                        <p:tgtEl>
+                                          <p:spTgt spid="16"/>
                                         </p:tgtEl>
                                         <p:attrNameLst>
                                           <p:attrName>ppt_h</p:attrName>
@@ -17506,12 +17309,88 @@
                                     </p:anim>
                                     <p:animEffect transition="in" filter="fade">
                                       <p:cBhvr>
-                                        <p:cTn id="52" dur="1000"/>
+                                        <p:cTn id="44" dur="1000"/>
+                                        <p:tgtEl>
+                                          <p:spTgt spid="16"/>
+                                        </p:tgtEl>
+                                      </p:cBhvr>
+                                    </p:animEffect>
+                                  </p:childTnLst>
+                                </p:cTn>
+                              </p:par>
+                              <p:par>
+                                <p:cTn id="45" presetID="6" presetClass="emph" presetSubtype="0" fill="hold" nodeType="withEffect">
+                                  <p:stCondLst>
+                                    <p:cond delay="0"/>
+                                  </p:stCondLst>
+                                  <p:childTnLst>
+                                    <p:animScale>
+                                      <p:cBhvr>
+                                        <p:cTn id="46" dur="1000" fill="hold"/>
                                         <p:tgtEl>
                                           <p:spTgt spid="2055"/>
                                         </p:tgtEl>
                                       </p:cBhvr>
-                                    </p:animEffect>
+                                      <p:by x="200000" y="200000"/>
+                                    </p:animScale>
+                                  </p:childTnLst>
+                                </p:cTn>
+                              </p:par>
+                            </p:childTnLst>
+                          </p:cTn>
+                        </p:par>
+                      </p:childTnLst>
+                    </p:cTn>
+                  </p:par>
+                  <p:par>
+                    <p:cTn id="47" fill="hold">
+                      <p:stCondLst>
+                        <p:cond delay="indefinite"/>
+                      </p:stCondLst>
+                      <p:childTnLst>
+                        <p:par>
+                          <p:cTn id="48" fill="hold">
+                            <p:stCondLst>
+                              <p:cond delay="0"/>
+                            </p:stCondLst>
+                            <p:childTnLst>
+                              <p:par>
+                                <p:cTn id="49" presetID="6" presetClass="emph" presetSubtype="0" fill="hold" nodeType="clickEffect">
+                                  <p:stCondLst>
+                                    <p:cond delay="0"/>
+                                  </p:stCondLst>
+                                  <p:childTnLst>
+                                    <p:animScale>
+                                      <p:cBhvr>
+                                        <p:cTn id="50" dur="1000" fill="hold"/>
+                                        <p:tgtEl>
+                                          <p:spTgt spid="2055"/>
+                                        </p:tgtEl>
+                                      </p:cBhvr>
+                                      <p:by x="50000" y="50000"/>
+                                    </p:animScale>
+                                  </p:childTnLst>
+                                </p:cTn>
+                              </p:par>
+                              <p:par>
+                                <p:cTn id="51" presetID="56" presetClass="path" presetSubtype="0" accel="50000" decel="50000" fill="hold" nodeType="withEffect">
+                                  <p:stCondLst>
+                                    <p:cond delay="0"/>
+                                  </p:stCondLst>
+                                  <p:childTnLst>
+                                    <p:animMotion origin="layout" path="M -4.44444E-6 -1.55412E-6 L 0.31059 0.22502 " pathEditMode="relative" rAng="0" ptsTypes="AA">
+                                      <p:cBhvr>
+                                        <p:cTn id="52" dur="1000" fill="hold"/>
+                                        <p:tgtEl>
+                                          <p:spTgt spid="2055"/>
+                                        </p:tgtEl>
+                                        <p:attrNameLst>
+                                          <p:attrName>ppt_x</p:attrName>
+                                          <p:attrName>ppt_y</p:attrName>
+                                        </p:attrNameLst>
+                                      </p:cBhvr>
+                                      <p:rCtr x="155" y="112"/>
+                                    </p:animMotion>
                                   </p:childTnLst>
                                 </p:cTn>
                               </p:par>
@@ -17525,7 +17404,7 @@
                                       <p:cBhvr>
                                         <p:cTn id="54" dur="1000" fill="hold"/>
                                         <p:tgtEl>
-                                          <p:spTgt spid="2055"/>
+                                          <p:spTgt spid="16"/>
                                         </p:tgtEl>
                                       </p:cBhvr>
                                       <p:by x="200000" y="200000"/>
@@ -17561,7 +17440,7 @@
                                       <p:cBhvr>
                                         <p:cTn id="58" dur="1000" fill="hold"/>
                                         <p:tgtEl>
-                                          <p:spTgt spid="2055"/>
+                                          <p:spTgt spid="16"/>
                                         </p:tgtEl>
                                       </p:cBhvr>
                                       <p:by x="50000" y="50000"/>
@@ -17570,23 +17449,23 @@
                                 </p:cTn>
                               </p:par>
                               <p:par>
-                                <p:cTn id="59" presetID="56" presetClass="path" presetSubtype="0" accel="50000" decel="50000" fill="hold" nodeType="withEffect">
+                                <p:cTn id="59" presetID="63" presetClass="path" presetSubtype="0" accel="50000" decel="50000" fill="hold" nodeType="withEffect">
                                   <p:stCondLst>
                                     <p:cond delay="0"/>
                                   </p:stCondLst>
                                   <p:childTnLst>
-                                    <p:animMotion origin="layout" path="M -4.44444E-6 -1.55412E-6 L 0.31059 0.22502 " pathEditMode="relative" rAng="0" ptsTypes="AA">
+                                    <p:animMotion origin="layout" path="M 1.66667E-6 -3.81129E-6 L 0.32969 -0.00254 " pathEditMode="relative" rAng="0" ptsTypes="AA">
                                       <p:cBhvr>
                                         <p:cTn id="60" dur="1000" fill="hold"/>
                                         <p:tgtEl>
-                                          <p:spTgt spid="2055"/>
+                                          <p:spTgt spid="16"/>
                                         </p:tgtEl>
                                         <p:attrNameLst>
                                           <p:attrName>ppt_x</p:attrName>
                                           <p:attrName>ppt_y</p:attrName>
                                         </p:attrNameLst>
                                       </p:cBhvr>
-                                      <p:rCtr x="155" y="112"/>
+                                      <p:rCtr x="165" y="-1"/>
                                     </p:animMotion>
                                   </p:childTnLst>
                                 </p:cTn>
@@ -17960,7 +17839,7 @@
                             </p:stCondLst>
                             <p:childTnLst>
                               <p:par>
-                                <p:cTn id="93" presetID="1" presetClass="entr" presetSubtype="0" fill="hold" nodeType="clickEffect">
+                                <p:cTn id="93" presetID="55" presetClass="entr" presetSubtype="0" fill="hold" nodeType="clickEffect">
                                   <p:stCondLst>
                                     <p:cond delay="0"/>
                                   </p:stCondLst>
@@ -17973,6 +17852,181 @@
                                           </p:stCondLst>
                                         </p:cTn>
                                         <p:tgtEl>
+                                          <p:spTgt spid="17"/>
+                                        </p:tgtEl>
+                                        <p:attrNameLst>
+                                          <p:attrName>style.visibility</p:attrName>
+                                        </p:attrNameLst>
+                                      </p:cBhvr>
+                                      <p:to>
+                                        <p:strVal val="visible"/>
+                                      </p:to>
+                                    </p:set>
+                                    <p:anim calcmode="lin" valueType="num">
+                                      <p:cBhvr>
+                                        <p:cTn id="95" dur="1000" fill="hold"/>
+                                        <p:tgtEl>
+                                          <p:spTgt spid="17"/>
+                                        </p:tgtEl>
+                                        <p:attrNameLst>
+                                          <p:attrName>ppt_w</p:attrName>
+                                        </p:attrNameLst>
+                                      </p:cBhvr>
+                                      <p:tavLst>
+                                        <p:tav tm="0">
+                                          <p:val>
+                                            <p:strVal val="#ppt_w*0.70"/>
+                                          </p:val>
+                                        </p:tav>
+                                        <p:tav tm="100000">
+                                          <p:val>
+                                            <p:strVal val="#ppt_w"/>
+                                          </p:val>
+                                        </p:tav>
+                                      </p:tavLst>
+                                    </p:anim>
+                                    <p:anim calcmode="lin" valueType="num">
+                                      <p:cBhvr>
+                                        <p:cTn id="96" dur="1000" fill="hold"/>
+                                        <p:tgtEl>
+                                          <p:spTgt spid="17"/>
+                                        </p:tgtEl>
+                                        <p:attrNameLst>
+                                          <p:attrName>ppt_h</p:attrName>
+                                        </p:attrNameLst>
+                                      </p:cBhvr>
+                                      <p:tavLst>
+                                        <p:tav tm="0">
+                                          <p:val>
+                                            <p:strVal val="#ppt_h"/>
+                                          </p:val>
+                                        </p:tav>
+                                        <p:tav tm="100000">
+                                          <p:val>
+                                            <p:strVal val="#ppt_h"/>
+                                          </p:val>
+                                        </p:tav>
+                                      </p:tavLst>
+                                    </p:anim>
+                                    <p:animEffect transition="in" filter="fade">
+                                      <p:cBhvr>
+                                        <p:cTn id="97" dur="1000"/>
+                                        <p:tgtEl>
+                                          <p:spTgt spid="17"/>
+                                        </p:tgtEl>
+                                      </p:cBhvr>
+                                    </p:animEffect>
+                                  </p:childTnLst>
+                                </p:cTn>
+                              </p:par>
+                              <p:par>
+                                <p:cTn id="98" presetID="6" presetClass="emph" presetSubtype="0" fill="hold" nodeType="withEffect">
+                                  <p:stCondLst>
+                                    <p:cond delay="0"/>
+                                  </p:stCondLst>
+                                  <p:childTnLst>
+                                    <p:animScale>
+                                      <p:cBhvr>
+                                        <p:cTn id="99" dur="1000" fill="hold"/>
+                                        <p:tgtEl>
+                                          <p:spTgt spid="17"/>
+                                        </p:tgtEl>
+                                      </p:cBhvr>
+                                      <p:by x="200000" y="200000"/>
+                                    </p:animScale>
+                                  </p:childTnLst>
+                                </p:cTn>
+                              </p:par>
+                            </p:childTnLst>
+                          </p:cTn>
+                        </p:par>
+                      </p:childTnLst>
+                    </p:cTn>
+                  </p:par>
+                  <p:par>
+                    <p:cTn id="100" fill="hold">
+                      <p:stCondLst>
+                        <p:cond delay="indefinite"/>
+                      </p:stCondLst>
+                      <p:childTnLst>
+                        <p:par>
+                          <p:cTn id="101" fill="hold">
+                            <p:stCondLst>
+                              <p:cond delay="0"/>
+                            </p:stCondLst>
+                            <p:childTnLst>
+                              <p:par>
+                                <p:cTn id="102" presetID="6" presetClass="emph" presetSubtype="0" fill="hold" nodeType="clickEffect">
+                                  <p:stCondLst>
+                                    <p:cond delay="0"/>
+                                  </p:stCondLst>
+                                  <p:childTnLst>
+                                    <p:animScale>
+                                      <p:cBhvr>
+                                        <p:cTn id="103" dur="1000" fill="hold"/>
+                                        <p:tgtEl>
+                                          <p:spTgt spid="17"/>
+                                        </p:tgtEl>
+                                      </p:cBhvr>
+                                      <p:by x="50000" y="50000"/>
+                                    </p:animScale>
+                                  </p:childTnLst>
+                                </p:cTn>
+                              </p:par>
+                              <p:par>
+                                <p:cTn id="104" presetID="49" presetClass="path" presetSubtype="0" accel="50000" decel="50000" fill="hold" nodeType="withEffect">
+                                  <p:stCondLst>
+                                    <p:cond delay="0"/>
+                                  </p:stCondLst>
+                                  <p:childTnLst>
+                                    <p:animMotion origin="layout" path="M 3.88889E-6 -2.6827E-6 L 0.2875 0.24769 " pathEditMode="relative" rAng="0" ptsTypes="AA">
+                                      <p:cBhvr>
+                                        <p:cTn id="105" dur="2000" fill="hold"/>
+                                        <p:tgtEl>
+                                          <p:spTgt spid="17"/>
+                                        </p:tgtEl>
+                                        <p:attrNameLst>
+                                          <p:attrName>ppt_x</p:attrName>
+                                          <p:attrName>ppt_y</p:attrName>
+                                        </p:attrNameLst>
+                                      </p:cBhvr>
+                                      <p:rCtr x="144" y="124"/>
+                                    </p:animMotion>
+                                  </p:childTnLst>
+                                </p:cTn>
+                              </p:par>
+                            </p:childTnLst>
+                          </p:cTn>
+                        </p:par>
+                      </p:childTnLst>
+                    </p:cTn>
+                  </p:par>
+                  <p:par>
+                    <p:cTn id="106" fill="hold">
+                      <p:stCondLst>
+                        <p:cond delay="indefinite"/>
+                      </p:stCondLst>
+                      <p:childTnLst>
+                        <p:par>
+                          <p:cTn id="107" fill="hold">
+                            <p:stCondLst>
+                              <p:cond delay="0"/>
+                            </p:stCondLst>
+                            <p:childTnLst>
+                              <p:par>
+                                <p:cTn id="108" presetID="1" presetClass="entr" presetSubtype="0" fill="hold" nodeType="clickEffect">
+                                  <p:stCondLst>
+                                    <p:cond delay="0"/>
+                                  </p:stCondLst>
+                                  <p:childTnLst>
+                                    <p:set>
+                                      <p:cBhvr>
+                                        <p:cTn id="109" dur="1" fill="hold">
+                                          <p:stCondLst>
+                                            <p:cond delay="0"/>
+                                          </p:stCondLst>
+                                        </p:cTn>
+                                        <p:tgtEl>
                                           <p:spTgt spid="13"/>
                                         </p:tgtEl>
                                         <p:attrNameLst>
@@ -17987,14 +18041,14 @@
                                 </p:cTn>
                               </p:par>
                               <p:par>
-                                <p:cTn id="95" presetID="1" presetClass="entr" presetSubtype="0" fill="hold" nodeType="withEffect">
+                                <p:cTn id="110" presetID="1" presetClass="entr" presetSubtype="0" fill="hold" nodeType="withEffect">
                                   <p:stCondLst>
                                     <p:cond delay="0"/>
                                   </p:stCondLst>
                                   <p:childTnLst>
                                     <p:set>
                                       <p:cBhvr>
-                                        <p:cTn id="96" dur="1" fill="hold">
+                                        <p:cTn id="111" dur="1" fill="hold">
                                           <p:stCondLst>
                                             <p:cond delay="0"/>
                                           </p:stCondLst>
@@ -18014,14 +18068,14 @@
                                 </p:cTn>
                               </p:par>
                               <p:par>
-                                <p:cTn id="97" presetID="1" presetClass="entr" presetSubtype="0" fill="hold" nodeType="withEffect">
+                                <p:cTn id="112" presetID="1" presetClass="entr" presetSubtype="0" fill="hold" nodeType="withEffect">
                                   <p:stCondLst>
                                     <p:cond delay="0"/>
                                   </p:stCondLst>
                                   <p:childTnLst>
                                     <p:set>
                                       <p:cBhvr>
-                                        <p:cTn id="98" dur="1" fill="hold">
+                                        <p:cTn id="113" dur="1" fill="hold">
                                           <p:stCondLst>
                                             <p:cond delay="0"/>
                                           </p:stCondLst>
@@ -18041,14 +18095,14 @@
                                 </p:cTn>
                               </p:par>
                               <p:par>
-                                <p:cTn id="99" presetID="1" presetClass="entr" presetSubtype="0" fill="hold" nodeType="withEffect">
+                                <p:cTn id="114" presetID="1" presetClass="entr" presetSubtype="0" fill="hold" nodeType="withEffect">
                                   <p:stCondLst>
                                     <p:cond delay="0"/>
                                   </p:stCondLst>
                                   <p:childTnLst>
                                     <p:set>
                                       <p:cBhvr>
-                                        <p:cTn id="100" dur="1" fill="hold">
+                                        <p:cTn id="115" dur="1" fill="hold">
                                           <p:stCondLst>
                                             <p:cond delay="0"/>
                                           </p:stCondLst>
@@ -18229,7 +18283,7 @@
       </p:pic>
       <p:pic>
         <p:nvPicPr>
-          <p:cNvPr id="2051" name="Picture 3"/>
+          <p:cNvPr id="2053" name="Picture 5"/>
           <p:cNvPicPr>
             <a:picLocks noChangeAspect="1" noChangeArrowheads="1"/>
           </p:cNvPicPr>
@@ -18237,72 +18291,6 @@
         </p:nvPicPr>
         <p:blipFill>
           <a:blip r:embed="rId4" cstate="print"/>
-          <a:srcRect t="8687" b="4447"/>
-          <a:stretch>
-            <a:fillRect/>
-          </a:stretch>
-        </p:blipFill>
-        <p:spPr bwMode="auto">
-          <a:xfrm>
-            <a:off x="3143240" y="4929198"/>
-            <a:ext cx="2714644" cy="1325787"/>
-          </a:xfrm>
-          <a:prstGeom prst="rect">
-            <a:avLst/>
-          </a:prstGeom>
-          <a:noFill/>
-          <a:ln w="9525">
-            <a:noFill/>
-            <a:miter lim="800000"/>
-            <a:headEnd/>
-            <a:tailEnd/>
-          </a:ln>
-          <a:effectLst/>
-        </p:spPr>
-      </p:pic>
-      <p:pic>
-        <p:nvPicPr>
-          <p:cNvPr id="2055" name="Picture 7"/>
-          <p:cNvPicPr>
-            <a:picLocks noChangeAspect="1" noChangeArrowheads="1"/>
-          </p:cNvPicPr>
-          <p:nvPr/>
-        </p:nvPicPr>
-        <p:blipFill>
-          <a:blip r:embed="rId5" cstate="print"/>
-          <a:srcRect t="9896" b="6119"/>
-          <a:stretch>
-            <a:fillRect/>
-          </a:stretch>
-        </p:blipFill>
-        <p:spPr bwMode="auto">
-          <a:xfrm>
-            <a:off x="214281" y="4929198"/>
-            <a:ext cx="2794499" cy="1390957"/>
-          </a:xfrm>
-          <a:prstGeom prst="rect">
-            <a:avLst/>
-          </a:prstGeom>
-          <a:noFill/>
-          <a:ln w="9525">
-            <a:noFill/>
-            <a:miter lim="800000"/>
-            <a:headEnd/>
-            <a:tailEnd/>
-          </a:ln>
-          <a:effectLst/>
-        </p:spPr>
-      </p:pic>
-      <p:pic>
-        <p:nvPicPr>
-          <p:cNvPr id="2053" name="Picture 5"/>
-          <p:cNvPicPr>
-            <a:picLocks noChangeAspect="1" noChangeArrowheads="1"/>
-          </p:cNvPicPr>
-          <p:nvPr/>
-        </p:nvPicPr>
-        <p:blipFill>
-          <a:blip r:embed="rId6" cstate="print"/>
           <a:srcRect t="9566" b="6250"/>
           <a:stretch>
             <a:fillRect/>
@@ -18335,7 +18323,7 @@
           <p:nvPr/>
         </p:nvPicPr>
         <p:blipFill>
-          <a:blip r:embed="rId7" cstate="print"/>
+          <a:blip r:embed="rId5" cstate="print"/>
           <a:srcRect t="9896" b="7096"/>
           <a:stretch>
             <a:fillRect/>
@@ -18368,7 +18356,7 @@
           <p:nvPr/>
         </p:nvPicPr>
         <p:blipFill>
-          <a:blip r:embed="rId8"/>
+          <a:blip r:embed="rId6"/>
           <a:srcRect t="9566" b="82951"/>
           <a:stretch>
             <a:fillRect/>
@@ -18494,9 +18482,7 @@
       <p:cxnSp>
         <p:nvCxnSpPr>
           <p:cNvPr id="23" name="22 Conector recto de flecha"/>
-          <p:cNvCxnSpPr>
-            <a:endCxn id="2055" idx="0"/>
-          </p:cNvCxnSpPr>
+          <p:cNvCxnSpPr/>
           <p:nvPr/>
         </p:nvCxnSpPr>
         <p:spPr>
@@ -18625,6 +18611,54 @@
           </a:fontRef>
         </p:style>
       </p:cxnSp>
+      <p:pic>
+        <p:nvPicPr>
+          <p:cNvPr id="18" name="17 Imagen" descr="WhatsApp Image 2018-05-28 at 16.58.37.jpeg"/>
+          <p:cNvPicPr>
+            <a:picLocks noChangeAspect="1"/>
+          </p:cNvPicPr>
+          <p:nvPr/>
+        </p:nvPicPr>
+        <p:blipFill>
+          <a:blip r:embed="rId7" cstate="print"/>
+          <a:stretch>
+            <a:fillRect/>
+          </a:stretch>
+        </p:blipFill>
+        <p:spPr>
+          <a:xfrm>
+            <a:off x="214282" y="4929198"/>
+            <a:ext cx="2815196" cy="1394086"/>
+          </a:xfrm>
+          <a:prstGeom prst="rect">
+            <a:avLst/>
+          </a:prstGeom>
+        </p:spPr>
+      </p:pic>
+      <p:pic>
+        <p:nvPicPr>
+          <p:cNvPr id="20" name="19 Imagen" descr="WhatsApp Image 2018-05-28 at 16.58.38.jpeg"/>
+          <p:cNvPicPr>
+            <a:picLocks noChangeAspect="1"/>
+          </p:cNvPicPr>
+          <p:nvPr/>
+        </p:nvPicPr>
+        <p:blipFill>
+          <a:blip r:embed="rId8" cstate="print"/>
+          <a:stretch>
+            <a:fillRect/>
+          </a:stretch>
+        </p:blipFill>
+        <p:spPr>
+          <a:xfrm>
+            <a:off x="3214678" y="5000636"/>
+            <a:ext cx="2723470" cy="1428760"/>
+          </a:xfrm>
+          <a:prstGeom prst="rect">
+            <a:avLst/>
+          </a:prstGeom>
+        </p:spPr>
+      </p:pic>
     </p:spTree>
   </p:cSld>
   <p:clrMapOvr>
@@ -19189,15 +19223,13 @@
           <a:p>
             <a:r>
               <a:rPr lang="es-ES" dirty="0" smtClean="0"/>
-              <a:t>Diseño del sistema</a:t>
-            </a:r>
-          </a:p>
-          <a:p>
+              <a:t>Diseño del </a:t>
+            </a:r>
             <a:r>
               <a:rPr lang="es-ES" dirty="0" smtClean="0"/>
-              <a:t>Presupuesto</a:t>
-            </a:r>
-            <a:endParaRPr lang="es-ES" dirty="0"/>
+              <a:t>sistema</a:t>
+            </a:r>
+            <a:endParaRPr lang="es-ES" dirty="0" smtClean="0"/>
           </a:p>
         </p:txBody>
       </p:sp>
@@ -19212,138 +19244,7 @@
   <p:timing>
     <p:tnLst>
       <p:par>
-        <p:cTn id="1" dur="indefinite" restart="never" nodeType="tmRoot">
-          <p:childTnLst>
-            <p:seq concurrent="1" nextAc="seek">
-              <p:cTn id="2" dur="indefinite" nodeType="mainSeq">
-                <p:childTnLst>
-                  <p:par>
-                    <p:cTn id="3" fill="hold">
-                      <p:stCondLst>
-                        <p:cond delay="indefinite"/>
-                        <p:cond evt="onBegin" delay="0">
-                          <p:tn val="2"/>
-                        </p:cond>
-                      </p:stCondLst>
-                      <p:childTnLst>
-                        <p:par>
-                          <p:cTn id="4" fill="hold">
-                            <p:stCondLst>
-                              <p:cond delay="0"/>
-                            </p:stCondLst>
-                            <p:childTnLst>
-                              <p:par>
-                                <p:cTn id="5" presetID="5" presetClass="emph" presetSubtype="1" nodeType="afterEffect">
-                                  <p:stCondLst>
-                                    <p:cond delay="0"/>
-                                  </p:stCondLst>
-                                  <p:childTnLst>
-                                    <p:set>
-                                      <p:cBhvr override="childStyle">
-                                        <p:cTn id="6" dur="indefinite"/>
-                                        <p:tgtEl>
-                                          <p:spTgt spid="3">
-                                            <p:txEl>
-                                              <p:pRg st="9" end="9"/>
-                                            </p:txEl>
-                                          </p:spTgt>
-                                        </p:tgtEl>
-                                        <p:attrNameLst>
-                                          <p:attrName>style.fontStyle</p:attrName>
-                                        </p:attrNameLst>
-                                      </p:cBhvr>
-                                      <p:to>
-                                        <p:strVal val="normal"/>
-                                      </p:to>
-                                    </p:set>
-                                    <p:set>
-                                      <p:cBhvr override="childStyle">
-                                        <p:cTn id="7" dur="indefinite"/>
-                                        <p:tgtEl>
-                                          <p:spTgt spid="3">
-                                            <p:txEl>
-                                              <p:pRg st="9" end="9"/>
-                                            </p:txEl>
-                                          </p:spTgt>
-                                        </p:tgtEl>
-                                        <p:attrNameLst>
-                                          <p:attrName>style.fontWeight</p:attrName>
-                                        </p:attrNameLst>
-                                      </p:cBhvr>
-                                      <p:to>
-                                        <p:strVal val="bold"/>
-                                      </p:to>
-                                    </p:set>
-                                    <p:set>
-                                      <p:cBhvr override="childStyle">
-                                        <p:cTn id="8" dur="indefinite"/>
-                                        <p:tgtEl>
-                                          <p:spTgt spid="3">
-                                            <p:txEl>
-                                              <p:pRg st="9" end="9"/>
-                                            </p:txEl>
-                                          </p:spTgt>
-                                        </p:tgtEl>
-                                        <p:attrNameLst>
-                                          <p:attrName>style.textDecorationUnderline</p:attrName>
-                                        </p:attrNameLst>
-                                      </p:cBhvr>
-                                      <p:to>
-                                        <p:strVal val="false"/>
-                                      </p:to>
-                                    </p:set>
-                                  </p:childTnLst>
-                                </p:cTn>
-                              </p:par>
-                              <p:par>
-                                <p:cTn id="9" presetID="4" presetClass="emph" presetSubtype="2" fill="hold" nodeType="withEffect">
-                                  <p:stCondLst>
-                                    <p:cond delay="0"/>
-                                  </p:stCondLst>
-                                  <p:childTnLst>
-                                    <p:anim to="1.25" calcmode="lin" valueType="num">
-                                      <p:cBhvr override="childStyle">
-                                        <p:cTn id="10" dur="500" fill="hold"/>
-                                        <p:tgtEl>
-                                          <p:spTgt spid="3">
-                                            <p:txEl>
-                                              <p:pRg st="9" end="9"/>
-                                            </p:txEl>
-                                          </p:spTgt>
-                                        </p:tgtEl>
-                                        <p:attrNameLst>
-                                          <p:attrName>style.fontSize</p:attrName>
-                                        </p:attrNameLst>
-                                      </p:cBhvr>
-                                    </p:anim>
-                                  </p:childTnLst>
-                                </p:cTn>
-                              </p:par>
-                            </p:childTnLst>
-                          </p:cTn>
-                        </p:par>
-                      </p:childTnLst>
-                    </p:cTn>
-                  </p:par>
-                </p:childTnLst>
-              </p:cTn>
-              <p:prevCondLst>
-                <p:cond evt="onPrev" delay="0">
-                  <p:tgtEl>
-                    <p:sldTgt/>
-                  </p:tgtEl>
-                </p:cond>
-              </p:prevCondLst>
-              <p:nextCondLst>
-                <p:cond evt="onNext" delay="0">
-                  <p:tgtEl>
-                    <p:sldTgt/>
-                  </p:tgtEl>
-                </p:cond>
-              </p:nextCondLst>
-            </p:seq>
-          </p:childTnLst>
-        </p:cTn>
+        <p:cTn id="1" dur="indefinite" restart="never" nodeType="tmRoot"/>
       </p:par>
     </p:tnLst>
   </p:timing>
@@ -19864,15 +19765,13 @@
           <a:p>
             <a:r>
               <a:rPr lang="es-ES" dirty="0" smtClean="0"/>
-              <a:t>Diseño del sistema</a:t>
-            </a:r>
-          </a:p>
-          <a:p>
+              <a:t>Diseño del </a:t>
+            </a:r>
             <a:r>
               <a:rPr lang="es-ES" dirty="0" smtClean="0"/>
-              <a:t>Presupuesto</a:t>
-            </a:r>
-            <a:endParaRPr lang="es-ES" dirty="0"/>
+              <a:t>sistema</a:t>
+            </a:r>
+            <a:endParaRPr lang="es-ES" dirty="0" smtClean="0"/>
           </a:p>
         </p:txBody>
       </p:sp>
@@ -20644,15 +20543,13 @@
           <a:p>
             <a:r>
               <a:rPr lang="es-ES" dirty="0" smtClean="0"/>
-              <a:t>Diseño del sistema</a:t>
-            </a:r>
-          </a:p>
-          <a:p>
+              <a:t>Diseño del </a:t>
+            </a:r>
             <a:r>
               <a:rPr lang="es-ES" dirty="0" smtClean="0"/>
-              <a:t>Presupuesto</a:t>
-            </a:r>
-            <a:endParaRPr lang="es-ES" dirty="0"/>
+              <a:t>sistema</a:t>
+            </a:r>
+            <a:endParaRPr lang="es-ES" dirty="0" smtClean="0"/>
           </a:p>
         </p:txBody>
       </p:sp>

--- a/Memoria y presentación/Presentacion tecnica.pptx
+++ b/Memoria y presentación/Presentacion tecnica.pptx
@@ -36,7 +36,7 @@
     <p:sldId id="271" r:id="rId27"/>
     <p:sldId id="287" r:id="rId28"/>
     <p:sldId id="272" r:id="rId29"/>
-    <p:sldId id="285" r:id="rId30"/>
+    <p:sldId id="288" r:id="rId30"/>
     <p:sldId id="286" r:id="rId31"/>
   </p:sldIdLst>
   <p:sldSz cx="9144000" cy="6858000" type="screen4x3"/>
@@ -11196,13 +11196,8 @@
           <a:p>
             <a:r>
               <a:rPr lang="es-ES" dirty="0" smtClean="0"/>
-              <a:t>Diseño del </a:t>
-            </a:r>
-            <a:r>
-              <a:rPr lang="es-ES" dirty="0" smtClean="0"/>
-              <a:t>sistema</a:t>
-            </a:r>
-            <a:endParaRPr lang="es-ES" dirty="0" smtClean="0"/>
+              <a:t>Diseño del sistema</a:t>
+            </a:r>
           </a:p>
         </p:txBody>
       </p:sp>
@@ -11852,13 +11847,8 @@
           <a:p>
             <a:r>
               <a:rPr lang="es-ES" dirty="0" smtClean="0"/>
-              <a:t>Diseño del </a:t>
-            </a:r>
-            <a:r>
-              <a:rPr lang="es-ES" dirty="0" smtClean="0"/>
-              <a:t>sistema</a:t>
-            </a:r>
-            <a:endParaRPr lang="es-ES" dirty="0" smtClean="0"/>
+              <a:t>Diseño del sistema</a:t>
+            </a:r>
           </a:p>
         </p:txBody>
       </p:sp>
@@ -12506,13 +12496,8 @@
           <a:p>
             <a:r>
               <a:rPr lang="es-ES" dirty="0" smtClean="0"/>
-              <a:t>Diseño del </a:t>
-            </a:r>
-            <a:r>
-              <a:rPr lang="es-ES" dirty="0" smtClean="0"/>
-              <a:t>sistema</a:t>
-            </a:r>
-            <a:endParaRPr lang="es-ES" dirty="0" smtClean="0"/>
+              <a:t>Diseño del sistema</a:t>
+            </a:r>
           </a:p>
         </p:txBody>
       </p:sp>
@@ -13103,13 +13088,8 @@
           <a:p>
             <a:r>
               <a:rPr lang="es-ES" dirty="0" smtClean="0"/>
-              <a:t>Diseño del </a:t>
-            </a:r>
-            <a:r>
-              <a:rPr lang="es-ES" dirty="0" smtClean="0"/>
-              <a:t>sistema</a:t>
-            </a:r>
-            <a:endParaRPr lang="es-ES" dirty="0" smtClean="0"/>
+              <a:t>Diseño del sistema</a:t>
+            </a:r>
           </a:p>
         </p:txBody>
       </p:sp>
@@ -13878,19 +13858,7 @@
             <a:pPr lvl="2"/>
             <a:r>
               <a:rPr lang="es-ES" dirty="0" smtClean="0"/>
-              <a:t>Servidor</a:t>
-            </a:r>
-            <a:r>
-              <a:rPr lang="es-ES" dirty="0" smtClean="0"/>
-              <a:t>: </a:t>
-            </a:r>
-            <a:r>
-              <a:rPr lang="es-ES" dirty="0" smtClean="0"/>
-              <a:t> máquinas </a:t>
-            </a:r>
-            <a:r>
-              <a:rPr lang="es-ES" dirty="0" smtClean="0"/>
-              <a:t>virtuales</a:t>
+              <a:t>Servidor:  máquinas virtuales</a:t>
             </a:r>
           </a:p>
         </p:txBody>
@@ -14440,13 +14408,8 @@
           <a:p>
             <a:r>
               <a:rPr lang="es-ES" dirty="0" smtClean="0"/>
-              <a:t>Diseño del </a:t>
-            </a:r>
-            <a:r>
-              <a:rPr lang="es-ES" dirty="0" smtClean="0"/>
-              <a:t>sistema</a:t>
-            </a:r>
-            <a:endParaRPr lang="es-ES" dirty="0" smtClean="0"/>
+              <a:t>Diseño del sistema</a:t>
+            </a:r>
           </a:p>
         </p:txBody>
       </p:sp>
@@ -15546,13 +15509,8 @@
           <a:p>
             <a:r>
               <a:rPr lang="es-ES" dirty="0" smtClean="0"/>
-              <a:t>Diseño del </a:t>
-            </a:r>
-            <a:r>
-              <a:rPr lang="es-ES" dirty="0" smtClean="0"/>
-              <a:t>sistema</a:t>
-            </a:r>
-            <a:endParaRPr lang="es-ES" dirty="0" smtClean="0"/>
+              <a:t>Diseño del sistema</a:t>
+            </a:r>
           </a:p>
         </p:txBody>
       </p:sp>
@@ -16065,13 +16023,8 @@
           <a:p>
             <a:r>
               <a:rPr lang="es-ES" dirty="0" smtClean="0"/>
-              <a:t>Diseño del </a:t>
-            </a:r>
-            <a:r>
-              <a:rPr lang="es-ES" dirty="0" smtClean="0"/>
-              <a:t>sistema</a:t>
-            </a:r>
-            <a:endParaRPr lang="es-ES" dirty="0" smtClean="0"/>
+              <a:t>Diseño del sistema</a:t>
+            </a:r>
           </a:p>
         </p:txBody>
       </p:sp>
@@ -19145,7 +19098,7 @@
           <a:p>
             <a:r>
               <a:rPr lang="es-ES" dirty="0" smtClean="0"/>
-              <a:t>ÍNDICE</a:t>
+              <a:t>DISEÑO DEL SISTEMA</a:t>
             </a:r>
             <a:endParaRPr lang="es-ES" dirty="0"/>
           </a:p>
@@ -19161,78 +19114,41 @@
             <p:ph sz="quarter" idx="1"/>
           </p:nvPr>
         </p:nvSpPr>
+        <p:spPr/>
+        <p:txBody>
+          <a:bodyPr/>
+          <a:lstStyle/>
+          <a:p>
+            <a:r>
+              <a:rPr lang="es-ES" dirty="0" smtClean="0"/>
+              <a:t>Diagrama de clases</a:t>
+            </a:r>
+            <a:endParaRPr lang="es-ES" dirty="0"/>
+          </a:p>
+        </p:txBody>
+      </p:sp>
+      <p:pic>
+        <p:nvPicPr>
+          <p:cNvPr id="4" name="image4.jpeg" descr="Macintosh HD:Users:darioferrerchueca:Desktop:Captura de pantalla 2018-04-09 a las 12.33.43.png"/>
+          <p:cNvPicPr/>
+          <p:nvPr/>
+        </p:nvPicPr>
+        <p:blipFill>
+          <a:blip r:embed="rId2" cstate="print"/>
+          <a:stretch>
+            <a:fillRect/>
+          </a:stretch>
+        </p:blipFill>
         <p:spPr>
           <a:xfrm>
-            <a:off x="301752" y="1527048"/>
-            <a:ext cx="8503920" cy="5045224"/>
+            <a:off x="928662" y="2071678"/>
+            <a:ext cx="7358114" cy="4786322"/>
           </a:xfrm>
+          <a:prstGeom prst="rect">
+            <a:avLst/>
+          </a:prstGeom>
         </p:spPr>
-        <p:txBody>
-          <a:bodyPr>
-            <a:normAutofit/>
-          </a:bodyPr>
-          <a:lstStyle/>
-          <a:p>
-            <a:r>
-              <a:rPr lang="es-ES" dirty="0" smtClean="0"/>
-              <a:t>Introducción</a:t>
-            </a:r>
-          </a:p>
-          <a:p>
-            <a:r>
-              <a:rPr lang="es-ES" dirty="0" smtClean="0"/>
-              <a:t>Equipo técnico</a:t>
-            </a:r>
-          </a:p>
-          <a:p>
-            <a:r>
-              <a:rPr lang="es-ES" dirty="0" smtClean="0"/>
-              <a:t>Análisis de requisitos</a:t>
-            </a:r>
-          </a:p>
-          <a:p>
-            <a:r>
-              <a:rPr lang="es-ES" dirty="0" smtClean="0"/>
-              <a:t>Plan de trabajo</a:t>
-            </a:r>
-          </a:p>
-          <a:p>
-            <a:r>
-              <a:rPr lang="es-ES" dirty="0" smtClean="0"/>
-              <a:t>Organización del proyecto</a:t>
-            </a:r>
-          </a:p>
-          <a:p>
-            <a:r>
-              <a:rPr lang="es-ES" dirty="0" smtClean="0"/>
-              <a:t>Gestión de procesos</a:t>
-            </a:r>
-          </a:p>
-          <a:p>
-            <a:r>
-              <a:rPr lang="es-ES" dirty="0" smtClean="0"/>
-              <a:t>Gestión de planes</a:t>
-            </a:r>
-          </a:p>
-          <a:p>
-            <a:r>
-              <a:rPr lang="es-ES" dirty="0" smtClean="0"/>
-              <a:t>Diagrama de Gantt</a:t>
-            </a:r>
-          </a:p>
-          <a:p>
-            <a:r>
-              <a:rPr lang="es-ES" dirty="0" smtClean="0"/>
-              <a:t>Diseño del </a:t>
-            </a:r>
-            <a:r>
-              <a:rPr lang="es-ES" dirty="0" smtClean="0"/>
-              <a:t>sistema</a:t>
-            </a:r>
-            <a:endParaRPr lang="es-ES" dirty="0" smtClean="0"/>
-          </a:p>
-        </p:txBody>
-      </p:sp>
+      </p:pic>
     </p:spTree>
   </p:cSld>
   <p:clrMapOvr>
@@ -19241,13 +19157,6 @@
   <p:transition>
     <p:pull dir="d"/>
   </p:transition>
-  <p:timing>
-    <p:tnLst>
-      <p:par>
-        <p:cTn id="1" dur="indefinite" restart="never" nodeType="tmRoot"/>
-      </p:par>
-    </p:tnLst>
-  </p:timing>
 </p:sld>
 </file>
 
@@ -19765,13 +19674,8 @@
           <a:p>
             <a:r>
               <a:rPr lang="es-ES" dirty="0" smtClean="0"/>
-              <a:t>Diseño del </a:t>
-            </a:r>
-            <a:r>
-              <a:rPr lang="es-ES" dirty="0" smtClean="0"/>
-              <a:t>sistema</a:t>
-            </a:r>
-            <a:endParaRPr lang="es-ES" dirty="0" smtClean="0"/>
+              <a:t>Diseño del sistema</a:t>
+            </a:r>
           </a:p>
         </p:txBody>
       </p:sp>
@@ -20543,13 +20447,8 @@
           <a:p>
             <a:r>
               <a:rPr lang="es-ES" dirty="0" smtClean="0"/>
-              <a:t>Diseño del </a:t>
-            </a:r>
-            <a:r>
-              <a:rPr lang="es-ES" dirty="0" smtClean="0"/>
-              <a:t>sistema</a:t>
-            </a:r>
-            <a:endParaRPr lang="es-ES" dirty="0" smtClean="0"/>
+              <a:t>Diseño del sistema</a:t>
+            </a:r>
           </a:p>
         </p:txBody>
       </p:sp>
